--- a/09.예외처리 및 제네릭_수정.pptx
+++ b/09.예외처리 및 제네릭_수정.pptx
@@ -2,7 +2,7 @@
 <file path=ppt/presentation.xml><?xml version="1.0" encoding="utf-8"?>
 <p:presentation xmlns:r="http://schemas.openxmlformats.org/officeDocument/2006/relationships" xmlns:c="http://schemas.openxmlformats.org/drawingml/2006/chart" xmlns:a="http://schemas.openxmlformats.org/drawingml/2006/main" xmlns:dgm="http://schemas.openxmlformats.org/drawingml/2006/diagram" xmlns:dsp="http://schemas.microsoft.com/office/drawing/2008/diagram" xmlns:p="http://schemas.openxmlformats.org/presentationml/2006/main">
   <p:sldMasterIdLst>
-    <p:sldMasterId id="2147483727" r:id="rId1"/>
+    <p:sldMasterId id="2147483699" r:id="rId1"/>
   </p:sldMasterIdLst>
   <p:notesMasterIdLst>
     <p:notesMasterId r:id="rId2"/>
@@ -24,18 +24,19 @@
     <p:sldId id="367" r:id="rId16"/>
     <p:sldId id="368" r:id="rId17"/>
     <p:sldId id="374" r:id="rId18"/>
-    <p:sldId id="369" r:id="rId19"/>
-    <p:sldId id="370" r:id="rId20"/>
+    <p:sldId id="370" r:id="rId19"/>
+    <p:sldId id="369" r:id="rId20"/>
     <p:sldId id="392" r:id="rId21"/>
     <p:sldId id="371" r:id="rId22"/>
     <p:sldId id="391" r:id="rId23"/>
     <p:sldId id="376" r:id="rId24"/>
     <p:sldId id="380" r:id="rId25"/>
     <p:sldId id="390" r:id="rId26"/>
-    <p:sldId id="389" r:id="rId27"/>
-    <p:sldId id="379" r:id="rId28"/>
-    <p:sldId id="386" r:id="rId29"/>
-    <p:sldId id="384" r:id="rId30"/>
+    <p:sldId id="379" r:id="rId27"/>
+    <p:sldId id="386" r:id="rId28"/>
+    <p:sldId id="384" r:id="rId29"/>
+    <p:sldId id="389" r:id="rId30"/>
+    <p:sldId id="396" r:id="rId31"/>
   </p:sldIdLst>
   <p:sldSz cx="9144000" cy="6858000" type="screen4x3"/>
   <p:notesSz cx="6858000" cy="9144000"/>
@@ -238,7 +239,7 @@
               <a:pPr lvl="0">
                 <a:defRPr/>
               </a:pPr>
-              <a:t>2023-01-07</a:t>
+              <a:t>2023-01-11</a:t>
             </a:fld>
             <a:endParaRPr lang="ko-KR" altLang="en-US"/>
           </a:p>
@@ -1368,7 +1369,7 @@
               <a:pPr lvl="0">
                 <a:defRPr/>
               </a:pPr>
-              <a:t>16</a:t>
+              <a:t>17</a:t>
             </a:fld>
             <a:endParaRPr lang="en-US" altLang="en-US"/>
           </a:p>
@@ -1440,16 +1441,42 @@
               <a:defRPr/>
             </a:pPr>
             <a:r>
-              <a:rPr lang="ko-KR" altLang="en-US"/>
-              <a:t>예제 </a:t>
-            </a:r>
-            <a:r>
-              <a:rPr lang="en-US" altLang="ko-KR"/>
-              <a:t>==&gt;</a:t>
-            </a:r>
-            <a:r>
-              <a:rPr lang="ko-KR" altLang="en-US"/>
-              <a:t> 컴파일은 성공하지만</a:t>
+              <a:rPr lang="en-US" altLang="ko-KR"/>
+              <a:t>BOX</a:t>
+            </a:r>
+            <a:r>
+              <a:rPr lang="ko-KR" altLang="en-US"/>
+              <a:t>라는 클래스를 선언하려고 한다</a:t>
+            </a:r>
+            <a:r>
+              <a:rPr lang="en-US" altLang="ko-KR"/>
+              <a:t>.</a:t>
+            </a:r>
+            <a:r>
+              <a:rPr lang="ko-KR" altLang="en-US"/>
+              <a:t> </a:t>
+            </a:r>
+            <a:r>
+              <a:rPr lang="en-US" altLang="ko-KR"/>
+              <a:t>box</a:t>
+            </a:r>
+            <a:r>
+              <a:rPr lang="ko-KR" altLang="en-US"/>
+              <a:t>에 넣을 내용물로 컨텐트 필드를 선언하려고 하는데 타입을 무엇으로 해야 하나</a:t>
+            </a:r>
+            <a:r>
+              <a:rPr lang="en-US" altLang="ko-KR"/>
+              <a:t>?</a:t>
+            </a:r>
+            <a:endParaRPr lang="en-US" altLang="ko-KR"/>
+          </a:p>
+          <a:p>
+            <a:pPr>
+              <a:defRPr/>
+            </a:pPr>
+            <a:r>
+              <a:rPr lang="ko-KR" altLang="en-US"/>
+              <a:t>정수로 하면 정수만 담을수있고</a:t>
             </a:r>
             <a:r>
               <a:rPr lang="en-US" altLang="ko-KR"/>
@@ -1457,7 +1484,25 @@
             </a:r>
             <a:r>
               <a:rPr lang="ko-KR" altLang="en-US"/>
-              <a:t> 실제 실행할 때 형변환 오류가 발생한다</a:t>
+              <a:t> 실수로 하면 실수만 담을 수 있는데 다양한 타입의 내용물을 저장해야 하므로 특정클래스</a:t>
+            </a:r>
+            <a:endParaRPr lang="ko-KR" altLang="en-US"/>
+          </a:p>
+          <a:p>
+            <a:pPr>
+              <a:defRPr/>
+            </a:pPr>
+            <a:r>
+              <a:rPr lang="ko-KR" altLang="en-US"/>
+              <a:t>타입으로 선언할 수 없어서 </a:t>
+            </a:r>
+            <a:r>
+              <a:rPr lang="en-US" altLang="ko-KR"/>
+              <a:t>Object </a:t>
+            </a:r>
+            <a:r>
+              <a:rPr lang="ko-KR" altLang="en-US"/>
+              <a:t>타입으로 선언한다</a:t>
             </a:r>
             <a:r>
               <a:rPr lang="en-US" altLang="ko-KR"/>
@@ -1465,7 +1510,41 @@
             </a:r>
             <a:r>
               <a:rPr lang="ko-KR" altLang="en-US"/>
-              <a:t> 컴파일러의 한계임</a:t>
+              <a:t> 즉</a:t>
+            </a:r>
+            <a:r>
+              <a:rPr lang="en-US" altLang="ko-KR"/>
+              <a:t>object</a:t>
+            </a:r>
+            <a:r>
+              <a:rPr lang="ko-KR" altLang="en-US"/>
+              <a:t>은 모든 객체의 부모이기 때문에 모든 객체는 </a:t>
+            </a:r>
+            <a:r>
+              <a:rPr lang="en-US" altLang="ko-KR"/>
+              <a:t>object</a:t>
+            </a:r>
+            <a:r>
+              <a:rPr lang="ko-KR" altLang="en-US"/>
+              <a:t> 타입으로</a:t>
+            </a:r>
+            <a:endParaRPr lang="ko-KR" altLang="en-US"/>
+          </a:p>
+          <a:p>
+            <a:pPr>
+              <a:defRPr/>
+            </a:pPr>
+            <a:r>
+              <a:rPr lang="ko-KR" altLang="en-US"/>
+              <a:t>자동 형변환이 되므로 </a:t>
+            </a:r>
+            <a:r>
+              <a:rPr lang="en-US" altLang="ko-KR"/>
+              <a:t>content</a:t>
+            </a:r>
+            <a:r>
+              <a:rPr lang="ko-KR" altLang="en-US"/>
+              <a:t> 필드에 어떤 객체든 대입이 가능하다</a:t>
             </a:r>
             <a:r>
               <a:rPr lang="en-US" altLang="ko-KR"/>
@@ -1478,24 +1557,44 @@
               <a:defRPr/>
             </a:pPr>
             <a:r>
-              <a:rPr lang="ko-KR" altLang="en-US"/>
-              <a:t>컴파일은 </a:t>
-            </a:r>
-            <a:r>
-              <a:rPr lang="en-US" altLang="ko-KR"/>
-              <a:t>get</a:t>
-            </a:r>
-            <a:r>
-              <a:rPr lang="ko-KR" altLang="en-US"/>
-              <a:t>으로 꺼낼때</a:t>
-            </a:r>
-            <a:r>
-              <a:rPr lang="en-US" altLang="ko-KR"/>
-              <a:t> object</a:t>
-            </a:r>
-            <a:r>
-              <a:rPr lang="ko-KR" altLang="en-US"/>
-              <a:t> 라서 허용은 했지만 </a:t>
+              <a:rPr lang="en-US" altLang="ko-KR"/>
+              <a:t>Box b = new Box; b.content = </a:t>
+            </a:r>
+            <a:r>
+              <a:rPr lang="ko-KR" altLang="en-US"/>
+              <a:t>모든 객체</a:t>
+            </a:r>
+            <a:endParaRPr lang="ko-KR" altLang="en-US"/>
+          </a:p>
+          <a:p>
+            <a:pPr>
+              <a:defRPr/>
+            </a:pPr>
+            <a:endParaRPr lang="ko-KR" altLang="en-US"/>
+          </a:p>
+          <a:p>
+            <a:pPr>
+              <a:defRPr/>
+            </a:pPr>
+            <a:r>
+              <a:rPr lang="ko-KR" altLang="en-US"/>
+              <a:t>담는 것은 해결했는데 이제 안에 들어있는 내용물을 얻어올 때이다</a:t>
+            </a:r>
+            <a:r>
+              <a:rPr lang="en-US" altLang="ko-KR"/>
+              <a:t>.</a:t>
+            </a:r>
+            <a:r>
+              <a:rPr lang="ko-KR" altLang="en-US"/>
+              <a:t> </a:t>
+            </a:r>
+            <a:r>
+              <a:rPr lang="en-US" altLang="ko-KR"/>
+              <a:t>content</a:t>
+            </a:r>
+            <a:r>
+              <a:rPr lang="ko-KR" altLang="en-US"/>
+              <a:t>는 </a:t>
             </a:r>
             <a:r>
               <a:rPr lang="en-US" altLang="ko-KR"/>
@@ -1503,12 +1602,44 @@
             </a:r>
             <a:r>
               <a:rPr lang="ko-KR" altLang="en-US"/>
-              <a:t> 안에 무엇이 들어있는지 모른다</a:t>
+              <a:t> 타입이므로 어떤 객체가 대입되어 잇는지 확실하지가 않다</a:t>
             </a:r>
             <a:r>
               <a:rPr lang="en-US" altLang="ko-KR"/>
               <a:t>.</a:t>
             </a:r>
+            <a:r>
+              <a:rPr lang="ko-KR" altLang="en-US"/>
+              <a:t> 이때 대입된 내용물의 타입을 안다면 강제 타입 변환을 거쳐 얻을 수 있다</a:t>
+            </a:r>
+            <a:r>
+              <a:rPr lang="en-US" altLang="ko-KR"/>
+              <a:t>.</a:t>
+            </a:r>
+            <a:r>
+              <a:rPr lang="ko-KR" altLang="en-US"/>
+              <a:t> 만약 </a:t>
+            </a:r>
+            <a:r>
+              <a:rPr lang="en-US" altLang="ko-KR"/>
+              <a:t>String </a:t>
+            </a:r>
+            <a:r>
+              <a:rPr lang="ko-KR" altLang="en-US"/>
+              <a:t>이</a:t>
+            </a:r>
+            <a:r>
+              <a:rPr lang="en-US" altLang="ko-KR"/>
+              <a:t> </a:t>
+            </a:r>
+            <a:r>
+              <a:rPr lang="ko-KR" altLang="en-US"/>
+              <a:t>담겨있다면</a:t>
+            </a:r>
+            <a:r>
+              <a:rPr lang="en-US" altLang="ko-KR"/>
+              <a:t> </a:t>
+            </a:r>
             <a:endParaRPr lang="en-US" altLang="ko-KR"/>
           </a:p>
           <a:p>
@@ -1517,7 +1648,23 @@
             </a:pPr>
             <a:r>
               <a:rPr lang="ko-KR" altLang="en-US"/>
-              <a:t>하지만 실제로 실행하면 그때 형변환 오류가 발생하는 것이다</a:t>
+              <a:t>강제형변환해서 </a:t>
+            </a:r>
+            <a:r>
+              <a:rPr lang="en-US" altLang="ko-KR"/>
+              <a:t>(String)b.content </a:t>
+            </a:r>
+            <a:r>
+              <a:rPr lang="ko-KR" altLang="en-US"/>
+              <a:t>으로</a:t>
+            </a:r>
+            <a:r>
+              <a:rPr lang="en-US" altLang="ko-KR"/>
+              <a:t> </a:t>
+            </a:r>
+            <a:r>
+              <a:rPr lang="ko-KR" altLang="en-US"/>
+              <a:t>내용물을 얻을 수 있다</a:t>
             </a:r>
             <a:r>
               <a:rPr lang="en-US" altLang="ko-KR"/>
@@ -1531,20 +1678,98 @@
             </a:pPr>
             <a:r>
               <a:rPr lang="ko-KR" altLang="en-US"/>
-              <a:t>일반적으로는 실행오류보다 컴파일오류가 덜 치명적이다</a:t>
+              <a:t>하지만 </a:t>
+            </a:r>
+            <a:r>
+              <a:rPr lang="en-US" altLang="ko-KR"/>
+              <a:t>string </a:t>
+            </a:r>
+            <a:r>
+              <a:rPr lang="ko-KR" altLang="en-US"/>
+              <a:t>이</a:t>
+            </a:r>
+            <a:r>
+              <a:rPr lang="en-US" altLang="ko-KR"/>
+              <a:t> </a:t>
+            </a:r>
+            <a:r>
+              <a:rPr lang="ko-KR" altLang="en-US"/>
+              <a:t>아닌 다른 객체가 담겨있다면  </a:t>
+            </a:r>
+            <a:r>
+              <a:rPr lang="en-US" altLang="ko-KR"/>
+              <a:t>string</a:t>
+            </a:r>
+            <a:r>
+              <a:rPr lang="ko-KR" altLang="en-US"/>
+              <a:t>으로 강제형변환 할때 </a:t>
+            </a:r>
+            <a:r>
+              <a:rPr lang="en-US" altLang="ko-KR"/>
+              <a:t>ClassCastException</a:t>
+            </a:r>
+            <a:r>
+              <a:rPr lang="ko-KR" altLang="en-US"/>
+              <a:t>이 발생할 수 있다</a:t>
             </a:r>
             <a:r>
               <a:rPr lang="en-US" altLang="ko-KR"/>
               <a:t>.</a:t>
             </a:r>
-            <a:r>
-              <a:rPr lang="ko-KR" altLang="en-US"/>
-              <a:t> 실행오류는 프로그램 중간에 실행하다가 중단되기 때문이다</a:t>
+            <a:endParaRPr lang="en-US" altLang="ko-KR"/>
+          </a:p>
+          <a:p>
+            <a:pPr>
+              <a:defRPr/>
+            </a:pPr>
+            <a:r>
+              <a:rPr lang="ko-KR" altLang="en-US"/>
+              <a:t>에러가 발생하지 않게 하려면 </a:t>
+            </a:r>
+            <a:r>
+              <a:rPr lang="en-US" altLang="ko-KR"/>
+              <a:t>instanceof </a:t>
+            </a:r>
+            <a:r>
+              <a:rPr lang="ko-KR" altLang="en-US"/>
+              <a:t>연산자로 어떤 타입인지 조사할 수는 있지만 모든 타입의 </a:t>
+            </a:r>
+            <a:r>
+              <a:rPr lang="en-US" altLang="ko-KR"/>
+              <a:t> </a:t>
+            </a:r>
+            <a:r>
+              <a:rPr lang="ko-KR" altLang="en-US"/>
+              <a:t>클래스를 다 조사할 수는 없다</a:t>
             </a:r>
             <a:r>
               <a:rPr lang="en-US" altLang="ko-KR"/>
               <a:t>.</a:t>
             </a:r>
+            <a:r>
+              <a:rPr lang="ko-KR" altLang="en-US"/>
+              <a:t> 따라서 </a:t>
+            </a:r>
+            <a:r>
+              <a:rPr lang="en-US" altLang="ko-KR"/>
+              <a:t>object</a:t>
+            </a:r>
+            <a:r>
+              <a:rPr lang="ko-KR" altLang="en-US"/>
+              <a:t> 타입으로 </a:t>
+            </a:r>
+            <a:r>
+              <a:rPr lang="en-US" altLang="ko-KR"/>
+              <a:t>content</a:t>
+            </a:r>
+            <a:r>
+              <a:rPr lang="ko-KR" altLang="en-US"/>
+              <a:t>필드를 선언하는 것도 좋은 방법이 아니다</a:t>
+            </a:r>
+            <a:r>
+              <a:rPr lang="en-US" altLang="ko-KR"/>
+              <a:t>.</a:t>
+            </a:r>
             <a:endParaRPr lang="en-US" altLang="ko-KR"/>
           </a:p>
           <a:p>
@@ -1553,194 +1778,12 @@
             </a:pPr>
             <a:r>
               <a:rPr lang="ko-KR" altLang="en-US"/>
-              <a:t>실행시에 발생하는 에러를 컴파일때에 잡아내야 하는데 그 노력의 결과가 바로 </a:t>
-            </a:r>
-            <a:r>
-              <a:rPr lang="en-US" altLang="ko-KR"/>
-              <a:t>Generics </a:t>
-            </a:r>
-            <a:r>
-              <a:rPr lang="ko-KR" altLang="en-US"/>
-              <a:t>이다</a:t>
+              <a:t>해당 타입으로 형변환을 하면 된다</a:t>
             </a:r>
             <a:r>
               <a:rPr lang="en-US" altLang="ko-KR"/>
               <a:t>.</a:t>
             </a:r>
-            <a:endParaRPr lang="en-US" altLang="ko-KR"/>
-          </a:p>
-          <a:p>
-            <a:pPr>
-              <a:defRPr/>
-            </a:pPr>
-            <a:endParaRPr lang="en-US" altLang="ko-KR"/>
-          </a:p>
-          <a:p>
-            <a:pPr>
-              <a:defRPr/>
-            </a:pPr>
-            <a:r>
-              <a:rPr lang="en-US" altLang="ko-KR"/>
-              <a:t>.ClassCastException: class java.lang.String cannot be cast to class java.lang.Integer (java.lang.String and java.lang.Integer are in module java.base of loader 'bootstrap')</a:t>
-            </a:r>
-            <a:endParaRPr lang="en-US" altLang="ko-KR"/>
-          </a:p>
-          <a:p>
-            <a:pPr>
-              <a:defRPr/>
-            </a:pPr>
-            <a:r>
-              <a:rPr lang="en-US" altLang="ko-KR"/>
-              <a:t>	at generic_test.main(generic_test.java:10)</a:t>
-            </a:r>
-            <a:endParaRPr lang="en-US" altLang="ko-KR"/>
-          </a:p>
-          <a:p>
-            <a:pPr>
-              <a:defRPr/>
-            </a:pPr>
-            <a:endParaRPr lang="en-US" altLang="ko-KR"/>
-          </a:p>
-          <a:p>
-            <a:pPr>
-              <a:defRPr/>
-            </a:pPr>
-            <a:r>
-              <a:rPr lang="ko-KR" altLang="en-US"/>
-              <a:t>그래서 </a:t>
-            </a:r>
-            <a:r>
-              <a:rPr lang="en-US" altLang="ko-KR"/>
-              <a:t>ArrayList&lt;Integer&gt;</a:t>
-            </a:r>
-            <a:r>
-              <a:rPr lang="ko-KR" altLang="en-US"/>
-              <a:t>만 담게 선언하면 컴파일러에게 더 많은 정보를 제공해서 컴파일러가 체크하게 해주는 것이다</a:t>
-            </a:r>
-            <a:r>
-              <a:rPr lang="en-US" altLang="ko-KR"/>
-              <a:t>.</a:t>
-            </a:r>
-            <a:endParaRPr lang="en-US" altLang="ko-KR"/>
-          </a:p>
-          <a:p>
-            <a:pPr>
-              <a:defRPr/>
-            </a:pPr>
-            <a:r>
-              <a:rPr lang="en-US" altLang="ko-KR"/>
-              <a:t>list.add(10); </a:t>
-            </a:r>
-            <a:r>
-              <a:rPr lang="ko-KR" altLang="en-US"/>
-              <a:t>은</a:t>
-            </a:r>
-            <a:r>
-              <a:rPr lang="en-US" altLang="ko-KR"/>
-              <a:t> list.add(new Integer(10)) </a:t>
-            </a:r>
-            <a:r>
-              <a:rPr lang="ko-KR" altLang="en-US"/>
-              <a:t>으로 오토박싱으로 해서 코드가 오른쪽 처럼 바뀐다</a:t>
-            </a:r>
-            <a:r>
-              <a:rPr lang="en-US" altLang="ko-KR"/>
-              <a:t>.</a:t>
-            </a:r>
-            <a:r>
-              <a:rPr lang="ko-KR" altLang="en-US"/>
-              <a:t>그렇기 때문에  실수로라도 </a:t>
-            </a:r>
-            <a:r>
-              <a:rPr lang="en-US" altLang="ko-KR"/>
-              <a:t>string </a:t>
-            </a:r>
-            <a:r>
-              <a:rPr lang="ko-KR" altLang="en-US"/>
-              <a:t>을</a:t>
-            </a:r>
-            <a:r>
-              <a:rPr lang="en-US" altLang="ko-KR"/>
-              <a:t> </a:t>
-            </a:r>
-            <a:endParaRPr lang="en-US" altLang="ko-KR"/>
-          </a:p>
-          <a:p>
-            <a:pPr>
-              <a:defRPr/>
-            </a:pPr>
-            <a:r>
-              <a:rPr lang="ko-KR" altLang="en-US"/>
-              <a:t>입력하게 되면 컴파일시 잡아내게 된다</a:t>
-            </a:r>
-            <a:r>
-              <a:rPr lang="en-US" altLang="ko-KR"/>
-              <a:t>.</a:t>
-            </a:r>
-            <a:r>
-              <a:rPr lang="ko-KR" altLang="en-US"/>
-              <a:t> 즉 실행오류를 컴파일오류로 전환한것이라 실행시 발생할 오류의 가능성을 줄여준것이다</a:t>
-            </a:r>
-            <a:r>
-              <a:rPr lang="en-US" altLang="ko-KR"/>
-              <a:t>.</a:t>
-            </a:r>
-            <a:endParaRPr lang="en-US" altLang="ko-KR"/>
-          </a:p>
-          <a:p>
-            <a:pPr>
-              <a:defRPr/>
-            </a:pPr>
-            <a:r>
-              <a:rPr lang="ko-KR" altLang="en-US"/>
-              <a:t>또 하나의 장점은 </a:t>
-            </a:r>
-            <a:r>
-              <a:rPr lang="en-US" altLang="ko-KR"/>
-              <a:t>object</a:t>
-            </a:r>
-            <a:r>
-              <a:rPr lang="ko-KR" altLang="en-US"/>
-              <a:t>를</a:t>
-            </a:r>
-            <a:r>
-              <a:rPr lang="en-US" altLang="ko-KR"/>
-              <a:t> </a:t>
-            </a:r>
-            <a:r>
-              <a:rPr lang="ko-KR" altLang="en-US"/>
-              <a:t>꺼낼때 </a:t>
-            </a:r>
-            <a:r>
-              <a:rPr lang="en-US" altLang="ko-KR"/>
-              <a:t>integer</a:t>
-            </a:r>
-            <a:r>
-              <a:rPr lang="ko-KR" altLang="en-US"/>
-              <a:t>로 형변환을 반드시 해줘야 하는데 이미 </a:t>
-            </a:r>
-            <a:r>
-              <a:rPr lang="en-US" altLang="ko-KR"/>
-              <a:t>integer</a:t>
-            </a:r>
-            <a:r>
-              <a:rPr lang="ko-KR" altLang="en-US"/>
-              <a:t>인 것을 알기 때문에 형변환을 할 필요가 없다</a:t>
-            </a:r>
-            <a:r>
-              <a:rPr lang="en-US" altLang="ko-KR"/>
-              <a:t>.</a:t>
-            </a:r>
-            <a:r>
-              <a:rPr lang="ko-KR" altLang="en-US"/>
-              <a:t> </a:t>
-            </a:r>
-            <a:endParaRPr lang="ko-KR" altLang="en-US"/>
-          </a:p>
-          <a:p>
-            <a:pPr>
-              <a:defRPr/>
-            </a:pPr>
             <a:endParaRPr lang="en-US" altLang="ko-KR"/>
           </a:p>
         </p:txBody>
@@ -1768,7 +1811,1523 @@
               <a:pPr lvl="0">
                 <a:defRPr/>
               </a:pPr>
-              <a:t>14</a:t>
+              <a:t>18</a:t>
+            </a:fld>
+            <a:endParaRPr lang="en-US" altLang="en-US"/>
+          </a:p>
+        </p:txBody>
+      </p:sp>
+    </p:spTree>
+  </p:cSld>
+  <p:clrMapOvr>
+    <a:masterClrMapping/>
+  </p:clrMapOvr>
+</p:notes>
+</file>
+
+<file path=ppt/notesSlides/notesSlide12.xml><?xml version="1.0" encoding="utf-8"?>
+<p:notes xmlns:r="http://schemas.openxmlformats.org/officeDocument/2006/relationships" xmlns:c="http://schemas.openxmlformats.org/drawingml/2006/chart" xmlns:a="http://schemas.openxmlformats.org/drawingml/2006/main" xmlns:dgm="http://schemas.openxmlformats.org/drawingml/2006/diagram" xmlns:dsp="http://schemas.microsoft.com/office/drawing/2008/diagram" xmlns:p="http://schemas.openxmlformats.org/presentationml/2006/main">
+  <p:cSld>
+    <p:spTree>
+      <p:nvGrpSpPr>
+        <p:cNvPr id="1" name=""/>
+        <p:cNvGrpSpPr/>
+        <p:nvPr/>
+      </p:nvGrpSpPr>
+      <p:grpSpPr>
+        <a:xfrm>
+          <a:off x="0" y="0"/>
+          <a:ext cx="0" cy="0"/>
+          <a:chOff x="0" y="0"/>
+          <a:chExt cx="0" cy="0"/>
+        </a:xfrm>
+      </p:grpSpPr>
+      <p:sp>
+        <p:nvSpPr>
+          <p:cNvPr id="2" name="슬라이드 이미지 개체 틀 3"/>
+          <p:cNvSpPr>
+            <a:spLocks noGrp="1" noRot="1" noChangeAspect="1" noTextEdit="1"/>
+          </p:cNvSpPr>
+          <p:nvPr>
+            <p:ph type="sldImg" idx="2"/>
+          </p:nvPr>
+        </p:nvSpPr>
+        <p:spPr/>
+        <p:txBody>
+          <a:bodyPr/>
+          <a:lstStyle/>
+          <a:p>
+            <a:pPr>
+              <a:defRPr/>
+            </a:pPr>
+            <a:endParaRPr lang="ko-KR" altLang="en-US"/>
+          </a:p>
+        </p:txBody>
+      </p:sp>
+      <p:sp>
+        <p:nvSpPr>
+          <p:cNvPr id="3" name="슬라이드 노트 개체 틀 4"/>
+          <p:cNvSpPr>
+            <a:spLocks noGrp="1"/>
+          </p:cNvSpPr>
+          <p:nvPr>
+            <p:ph type="body" sz="quarter" idx="3"/>
+          </p:nvPr>
+        </p:nvSpPr>
+        <p:spPr/>
+        <p:txBody>
+          <a:bodyPr/>
+          <a:lstStyle/>
+          <a:p>
+            <a:pPr>
+              <a:defRPr/>
+            </a:pPr>
+            <a:r>
+              <a:rPr lang="ko-KR" altLang="en-US"/>
+              <a:t>예제 </a:t>
+            </a:r>
+            <a:r>
+              <a:rPr lang="en-US" altLang="ko-KR"/>
+              <a:t>==&gt;</a:t>
+            </a:r>
+            <a:r>
+              <a:rPr lang="ko-KR" altLang="en-US"/>
+              <a:t> 컴파일은 성공하지만</a:t>
+            </a:r>
+            <a:r>
+              <a:rPr lang="en-US" altLang="ko-KR"/>
+              <a:t>,</a:t>
+            </a:r>
+            <a:r>
+              <a:rPr lang="ko-KR" altLang="en-US"/>
+              <a:t> 실제 실행할 때 형변환 오류가 발생한다</a:t>
+            </a:r>
+            <a:r>
+              <a:rPr lang="en-US" altLang="ko-KR"/>
+              <a:t>.</a:t>
+            </a:r>
+            <a:r>
+              <a:rPr lang="ko-KR" altLang="en-US"/>
+              <a:t> 컴파일러의 한계임</a:t>
+            </a:r>
+            <a:r>
+              <a:rPr lang="en-US" altLang="ko-KR"/>
+              <a:t>.</a:t>
+            </a:r>
+            <a:endParaRPr lang="en-US" altLang="ko-KR"/>
+          </a:p>
+          <a:p>
+            <a:pPr>
+              <a:defRPr/>
+            </a:pPr>
+            <a:r>
+              <a:rPr lang="ko-KR" altLang="en-US"/>
+              <a:t>컴파일은 </a:t>
+            </a:r>
+            <a:r>
+              <a:rPr lang="en-US" altLang="ko-KR"/>
+              <a:t>get</a:t>
+            </a:r>
+            <a:r>
+              <a:rPr lang="ko-KR" altLang="en-US"/>
+              <a:t>으로 꺼낼때</a:t>
+            </a:r>
+            <a:r>
+              <a:rPr lang="en-US" altLang="ko-KR"/>
+              <a:t> object</a:t>
+            </a:r>
+            <a:r>
+              <a:rPr lang="ko-KR" altLang="en-US"/>
+              <a:t> 라서 허용은 했지만 </a:t>
+            </a:r>
+            <a:r>
+              <a:rPr lang="en-US" altLang="ko-KR"/>
+              <a:t>object</a:t>
+            </a:r>
+            <a:r>
+              <a:rPr lang="ko-KR" altLang="en-US"/>
+              <a:t> 안에 무엇이 들어있는지 모른다</a:t>
+            </a:r>
+            <a:r>
+              <a:rPr lang="en-US" altLang="ko-KR"/>
+              <a:t>.</a:t>
+            </a:r>
+            <a:endParaRPr lang="en-US" altLang="ko-KR"/>
+          </a:p>
+          <a:p>
+            <a:pPr>
+              <a:defRPr/>
+            </a:pPr>
+            <a:r>
+              <a:rPr lang="ko-KR" altLang="en-US"/>
+              <a:t>하지만 실제로 실행하면 그때 형변환 오류가 발생하는 것이다</a:t>
+            </a:r>
+            <a:r>
+              <a:rPr lang="en-US" altLang="ko-KR"/>
+              <a:t>.</a:t>
+            </a:r>
+            <a:endParaRPr lang="en-US" altLang="ko-KR"/>
+          </a:p>
+          <a:p>
+            <a:pPr>
+              <a:defRPr/>
+            </a:pPr>
+            <a:r>
+              <a:rPr lang="ko-KR" altLang="en-US"/>
+              <a:t>일반적으로는 실행오류보다 컴파일오류가 덜 치명적이다</a:t>
+            </a:r>
+            <a:r>
+              <a:rPr lang="en-US" altLang="ko-KR"/>
+              <a:t>.</a:t>
+            </a:r>
+            <a:r>
+              <a:rPr lang="ko-KR" altLang="en-US"/>
+              <a:t> 실행오류는 프로그램 중간에 실행하다가 중단되기 때문이다</a:t>
+            </a:r>
+            <a:r>
+              <a:rPr lang="en-US" altLang="ko-KR"/>
+              <a:t>.</a:t>
+            </a:r>
+            <a:endParaRPr lang="en-US" altLang="ko-KR"/>
+          </a:p>
+          <a:p>
+            <a:pPr>
+              <a:defRPr/>
+            </a:pPr>
+            <a:r>
+              <a:rPr lang="ko-KR" altLang="en-US"/>
+              <a:t>실행시에 발생하는 에러를 컴파일때에 잡아내야 하는데 그 노력의 결과가 바로 </a:t>
+            </a:r>
+            <a:r>
+              <a:rPr lang="en-US" altLang="ko-KR"/>
+              <a:t>Generics </a:t>
+            </a:r>
+            <a:r>
+              <a:rPr lang="ko-KR" altLang="en-US"/>
+              <a:t>이다</a:t>
+            </a:r>
+            <a:r>
+              <a:rPr lang="en-US" altLang="ko-KR"/>
+              <a:t>.</a:t>
+            </a:r>
+            <a:endParaRPr lang="en-US" altLang="ko-KR"/>
+          </a:p>
+          <a:p>
+            <a:pPr>
+              <a:defRPr/>
+            </a:pPr>
+            <a:endParaRPr lang="en-US" altLang="ko-KR"/>
+          </a:p>
+          <a:p>
+            <a:pPr>
+              <a:defRPr/>
+            </a:pPr>
+            <a:r>
+              <a:rPr lang="en-US" altLang="ko-KR"/>
+              <a:t>.ClassCastException: class java.lang.String cannot be cast to class java.lang.Integer (java.lang.String and java.lang.Integer are in module java.base of loader 'bootstrap')</a:t>
+            </a:r>
+            <a:endParaRPr lang="en-US" altLang="ko-KR"/>
+          </a:p>
+          <a:p>
+            <a:pPr>
+              <a:defRPr/>
+            </a:pPr>
+            <a:r>
+              <a:rPr lang="en-US" altLang="ko-KR"/>
+              <a:t>	at generic_test.main(generic_test.java:10)</a:t>
+            </a:r>
+            <a:endParaRPr lang="en-US" altLang="ko-KR"/>
+          </a:p>
+          <a:p>
+            <a:pPr>
+              <a:defRPr/>
+            </a:pPr>
+            <a:endParaRPr lang="en-US" altLang="ko-KR"/>
+          </a:p>
+          <a:p>
+            <a:pPr>
+              <a:defRPr/>
+            </a:pPr>
+            <a:r>
+              <a:rPr lang="ko-KR" altLang="en-US"/>
+              <a:t>그래서 </a:t>
+            </a:r>
+            <a:r>
+              <a:rPr lang="en-US" altLang="ko-KR"/>
+              <a:t>ArrayList&lt;Integer&gt;</a:t>
+            </a:r>
+            <a:r>
+              <a:rPr lang="ko-KR" altLang="en-US"/>
+              <a:t>만 담게 선언하면 컴파일러에게 더 많은 정보를 제공해서 컴파일러가 체크하게 해주는 것이다</a:t>
+            </a:r>
+            <a:r>
+              <a:rPr lang="en-US" altLang="ko-KR"/>
+              <a:t>.</a:t>
+            </a:r>
+            <a:endParaRPr lang="en-US" altLang="ko-KR"/>
+          </a:p>
+          <a:p>
+            <a:pPr>
+              <a:defRPr/>
+            </a:pPr>
+            <a:r>
+              <a:rPr lang="en-US" altLang="ko-KR"/>
+              <a:t>list.add(10); </a:t>
+            </a:r>
+            <a:r>
+              <a:rPr lang="ko-KR" altLang="en-US"/>
+              <a:t>은</a:t>
+            </a:r>
+            <a:r>
+              <a:rPr lang="en-US" altLang="ko-KR"/>
+              <a:t> list.add(new Integer(10)) </a:t>
+            </a:r>
+            <a:r>
+              <a:rPr lang="ko-KR" altLang="en-US"/>
+              <a:t>으로 오토박싱으로 해서 코드가 오른쪽 처럼 바뀐다</a:t>
+            </a:r>
+            <a:r>
+              <a:rPr lang="en-US" altLang="ko-KR"/>
+              <a:t>.</a:t>
+            </a:r>
+            <a:r>
+              <a:rPr lang="ko-KR" altLang="en-US"/>
+              <a:t>그렇기 때문에  실수로라도 </a:t>
+            </a:r>
+            <a:r>
+              <a:rPr lang="en-US" altLang="ko-KR"/>
+              <a:t>string </a:t>
+            </a:r>
+            <a:r>
+              <a:rPr lang="ko-KR" altLang="en-US"/>
+              <a:t>을</a:t>
+            </a:r>
+            <a:r>
+              <a:rPr lang="en-US" altLang="ko-KR"/>
+              <a:t> </a:t>
+            </a:r>
+            <a:endParaRPr lang="en-US" altLang="ko-KR"/>
+          </a:p>
+          <a:p>
+            <a:pPr>
+              <a:defRPr/>
+            </a:pPr>
+            <a:r>
+              <a:rPr lang="ko-KR" altLang="en-US"/>
+              <a:t>입력하게 되면 컴파일시 잡아내게 된다</a:t>
+            </a:r>
+            <a:r>
+              <a:rPr lang="en-US" altLang="ko-KR"/>
+              <a:t>.</a:t>
+            </a:r>
+            <a:r>
+              <a:rPr lang="ko-KR" altLang="en-US"/>
+              <a:t> 즉 실행오류를 컴파일오류로 전환한것이라 실행시 발생할 오류의 가능성을 줄여준것이다</a:t>
+            </a:r>
+            <a:r>
+              <a:rPr lang="en-US" altLang="ko-KR"/>
+              <a:t>.</a:t>
+            </a:r>
+            <a:endParaRPr lang="en-US" altLang="ko-KR"/>
+          </a:p>
+          <a:p>
+            <a:pPr>
+              <a:defRPr/>
+            </a:pPr>
+            <a:r>
+              <a:rPr lang="ko-KR" altLang="en-US"/>
+              <a:t>또 하나의 장점은 </a:t>
+            </a:r>
+            <a:r>
+              <a:rPr lang="en-US" altLang="ko-KR"/>
+              <a:t>object</a:t>
+            </a:r>
+            <a:r>
+              <a:rPr lang="ko-KR" altLang="en-US"/>
+              <a:t>를</a:t>
+            </a:r>
+            <a:r>
+              <a:rPr lang="en-US" altLang="ko-KR"/>
+              <a:t> </a:t>
+            </a:r>
+            <a:r>
+              <a:rPr lang="ko-KR" altLang="en-US"/>
+              <a:t>꺼낼때 </a:t>
+            </a:r>
+            <a:r>
+              <a:rPr lang="en-US" altLang="ko-KR"/>
+              <a:t>integer</a:t>
+            </a:r>
+            <a:r>
+              <a:rPr lang="ko-KR" altLang="en-US"/>
+              <a:t>로 형변환을 반드시 해줘야 하는데 이미 </a:t>
+            </a:r>
+            <a:r>
+              <a:rPr lang="en-US" altLang="ko-KR"/>
+              <a:t>integer</a:t>
+            </a:r>
+            <a:r>
+              <a:rPr lang="ko-KR" altLang="en-US"/>
+              <a:t>인 것을 알기 때문에 형변환을 할 필요가 없다</a:t>
+            </a:r>
+            <a:r>
+              <a:rPr lang="en-US" altLang="ko-KR"/>
+              <a:t>.</a:t>
+            </a:r>
+            <a:r>
+              <a:rPr lang="ko-KR" altLang="en-US"/>
+              <a:t> </a:t>
+            </a:r>
+            <a:endParaRPr lang="ko-KR" altLang="en-US"/>
+          </a:p>
+          <a:p>
+            <a:pPr>
+              <a:defRPr/>
+            </a:pPr>
+            <a:endParaRPr lang="en-US" altLang="ko-KR"/>
+          </a:p>
+        </p:txBody>
+      </p:sp>
+      <p:sp>
+        <p:nvSpPr>
+          <p:cNvPr id="4" name="슬라이드 번호 개체 틀 6"/>
+          <p:cNvSpPr>
+            <a:spLocks noGrp="1"/>
+          </p:cNvSpPr>
+          <p:nvPr>
+            <p:ph type="sldNum" sz="quarter" idx="5"/>
+          </p:nvPr>
+        </p:nvSpPr>
+        <p:spPr/>
+        <p:txBody>
+          <a:bodyPr/>
+          <a:lstStyle/>
+          <a:p>
+            <a:pPr lvl="0">
+              <a:defRPr/>
+            </a:pPr>
+            <a:fld id="{B02DD2F9-49A2-419E-BD07-AF9D3DB1CF69}" type="slidenum">
+              <a:rPr lang="en-US" altLang="en-US"/>
+              <a:pPr lvl="0">
+                <a:defRPr/>
+              </a:pPr>
+              <a:t>19</a:t>
+            </a:fld>
+            <a:endParaRPr lang="en-US" altLang="en-US"/>
+          </a:p>
+        </p:txBody>
+      </p:sp>
+    </p:spTree>
+  </p:cSld>
+  <p:clrMapOvr>
+    <a:masterClrMapping/>
+  </p:clrMapOvr>
+</p:notes>
+</file>
+
+<file path=ppt/notesSlides/notesSlide13.xml><?xml version="1.0" encoding="utf-8"?>
+<p:notes xmlns:r="http://schemas.openxmlformats.org/officeDocument/2006/relationships" xmlns:c="http://schemas.openxmlformats.org/drawingml/2006/chart" xmlns:a="http://schemas.openxmlformats.org/drawingml/2006/main" xmlns:dgm="http://schemas.openxmlformats.org/drawingml/2006/diagram" xmlns:dsp="http://schemas.microsoft.com/office/drawing/2008/diagram" xmlns:p="http://schemas.openxmlformats.org/presentationml/2006/main">
+  <p:cSld>
+    <p:spTree>
+      <p:nvGrpSpPr>
+        <p:cNvPr id="1" name=""/>
+        <p:cNvGrpSpPr/>
+        <p:nvPr/>
+      </p:nvGrpSpPr>
+      <p:grpSpPr>
+        <a:xfrm>
+          <a:off x="0" y="0"/>
+          <a:ext cx="0" cy="0"/>
+          <a:chOff x="0" y="0"/>
+          <a:chExt cx="0" cy="0"/>
+        </a:xfrm>
+      </p:grpSpPr>
+      <p:sp>
+        <p:nvSpPr>
+          <p:cNvPr id="2" name="슬라이드 이미지 개체 틀 3"/>
+          <p:cNvSpPr>
+            <a:spLocks noGrp="1" noRot="1" noChangeAspect="1" noTextEdit="1"/>
+          </p:cNvSpPr>
+          <p:nvPr>
+            <p:ph type="sldImg" idx="2"/>
+          </p:nvPr>
+        </p:nvSpPr>
+        <p:spPr/>
+        <p:txBody>
+          <a:bodyPr/>
+          <a:lstStyle/>
+          <a:p>
+            <a:pPr>
+              <a:defRPr/>
+            </a:pPr>
+            <a:endParaRPr lang="ko-KR" altLang="en-US"/>
+          </a:p>
+        </p:txBody>
+      </p:sp>
+      <p:sp>
+        <p:nvSpPr>
+          <p:cNvPr id="3" name="슬라이드 노트 개체 틀 4"/>
+          <p:cNvSpPr>
+            <a:spLocks noGrp="1"/>
+          </p:cNvSpPr>
+          <p:nvPr>
+            <p:ph type="body" sz="quarter" idx="3"/>
+          </p:nvPr>
+        </p:nvSpPr>
+        <p:spPr/>
+        <p:txBody>
+          <a:bodyPr/>
+          <a:lstStyle/>
+          <a:p>
+            <a:pPr>
+              <a:defRPr/>
+            </a:pPr>
+            <a:r>
+              <a:rPr lang="en-US" altLang="ko-KR"/>
+              <a:t>A,B,T</a:t>
+            </a:r>
+            <a:r>
+              <a:rPr lang="ko-KR" altLang="en-US"/>
+              <a:t>를 타입파라미터</a:t>
+            </a:r>
+            <a:r>
+              <a:rPr lang="en-US" altLang="ko-KR"/>
+              <a:t>,</a:t>
+            </a:r>
+            <a:r>
+              <a:rPr lang="ko-KR" altLang="en-US"/>
+              <a:t> 타입매개변수라고 한다</a:t>
+            </a:r>
+            <a:r>
+              <a:rPr lang="en-US" altLang="ko-KR"/>
+              <a:t>.</a:t>
+            </a:r>
+            <a:endParaRPr lang="en-US" altLang="ko-KR"/>
+          </a:p>
+          <a:p>
+            <a:pPr>
+              <a:defRPr/>
+            </a:pPr>
+            <a:endParaRPr lang="en-US" altLang="ko-KR"/>
+          </a:p>
+          <a:p>
+            <a:pPr>
+              <a:defRPr/>
+            </a:pPr>
+            <a:r>
+              <a:rPr lang="en-US" altLang="ko-KR"/>
+              <a:t>public class Box&lt;T&gt; {</a:t>
+            </a:r>
+            <a:endParaRPr lang="en-US" altLang="ko-KR"/>
+          </a:p>
+          <a:p>
+            <a:pPr>
+              <a:defRPr/>
+            </a:pPr>
+            <a:r>
+              <a:rPr lang="en-US" altLang="ko-KR"/>
+              <a:t> public T content;</a:t>
+            </a:r>
+            <a:endParaRPr lang="en-US" altLang="ko-KR"/>
+          </a:p>
+          <a:p>
+            <a:pPr>
+              <a:defRPr/>
+            </a:pPr>
+            <a:r>
+              <a:rPr lang="en-US" altLang="ko-KR"/>
+              <a:t>}  box</a:t>
+            </a:r>
+            <a:r>
+              <a:rPr lang="ko-KR" altLang="en-US"/>
+              <a:t> 내부에 </a:t>
+            </a:r>
+            <a:r>
+              <a:rPr lang="en-US" altLang="ko-KR"/>
+              <a:t>T</a:t>
+            </a:r>
+            <a:r>
+              <a:rPr lang="ko-KR" altLang="en-US"/>
+              <a:t> 라는 파라미터를 줘서 </a:t>
+            </a:r>
+            <a:r>
+              <a:rPr lang="en-US" altLang="ko-KR"/>
+              <a:t>T</a:t>
+            </a:r>
+            <a:r>
+              <a:rPr lang="ko-KR" altLang="en-US"/>
+              <a:t>라는 타입을 쓰겠다고 표시만 하는 것이다</a:t>
+            </a:r>
+            <a:r>
+              <a:rPr lang="en-US" altLang="ko-KR"/>
+              <a:t>.T</a:t>
+            </a:r>
+            <a:r>
+              <a:rPr lang="ko-KR" altLang="en-US"/>
+              <a:t>는 실제 존재하는 타입이 아니라</a:t>
+            </a:r>
+            <a:endParaRPr lang="ko-KR" altLang="en-US"/>
+          </a:p>
+          <a:p>
+            <a:pPr>
+              <a:defRPr/>
+            </a:pPr>
+            <a:r>
+              <a:rPr lang="ko-KR" altLang="en-US"/>
+              <a:t>실제 사용할 때 구체적인 데이터타입으로 바꿔서 사용하겠다는 것이다</a:t>
+            </a:r>
+            <a:r>
+              <a:rPr lang="en-US" altLang="ko-KR"/>
+              <a:t>.</a:t>
+            </a:r>
+            <a:endParaRPr lang="en-US" altLang="ko-KR"/>
+          </a:p>
+          <a:p>
+            <a:pPr>
+              <a:defRPr/>
+            </a:pPr>
+            <a:r>
+              <a:rPr lang="ko-KR" altLang="en-US"/>
+              <a:t>선언할 때는 </a:t>
+            </a:r>
+            <a:r>
+              <a:rPr lang="en-US" altLang="ko-KR"/>
+              <a:t>&lt;T&gt;</a:t>
+            </a:r>
+            <a:r>
+              <a:rPr lang="ko-KR" altLang="en-US"/>
+              <a:t>라고 줬지만 실제 인스턴스를 생성할 때는</a:t>
+            </a:r>
+            <a:endParaRPr lang="ko-KR" altLang="en-US"/>
+          </a:p>
+          <a:p>
+            <a:pPr>
+              <a:defRPr/>
+            </a:pPr>
+            <a:r>
+              <a:rPr lang="en-US" altLang="ko-KR"/>
+              <a:t>Box&lt;String&gt; b = new Box&lt;String&gt;</a:t>
+            </a:r>
+            <a:r>
+              <a:rPr lang="ko-KR" altLang="en-US"/>
+              <a:t> 으로 하거나</a:t>
+            </a:r>
+            <a:r>
+              <a:rPr lang="en-US" altLang="ko-KR"/>
+              <a:t>Box&lt;Integer&gt; b = new Box&lt;Integer&gt;</a:t>
+            </a:r>
+            <a:r>
+              <a:rPr lang="ko-KR" altLang="en-US"/>
+              <a:t> 로 줘서 사용할 수 있다</a:t>
+            </a:r>
+            <a:r>
+              <a:rPr lang="en-US" altLang="ko-KR"/>
+              <a:t>.</a:t>
+            </a:r>
+            <a:endParaRPr lang="en-US" altLang="ko-KR"/>
+          </a:p>
+        </p:txBody>
+      </p:sp>
+      <p:sp>
+        <p:nvSpPr>
+          <p:cNvPr id="4" name="슬라이드 번호 개체 틀 6"/>
+          <p:cNvSpPr>
+            <a:spLocks noGrp="1"/>
+          </p:cNvSpPr>
+          <p:nvPr>
+            <p:ph type="sldNum" sz="quarter" idx="5"/>
+          </p:nvPr>
+        </p:nvSpPr>
+        <p:spPr/>
+        <p:txBody>
+          <a:bodyPr/>
+          <a:lstStyle/>
+          <a:p>
+            <a:pPr lvl="0">
+              <a:defRPr/>
+            </a:pPr>
+            <a:fld id="{B02DD2F9-49A2-419E-BD07-AF9D3DB1CF69}" type="slidenum">
+              <a:rPr lang="en-US" altLang="en-US"/>
+              <a:pPr lvl="0">
+                <a:defRPr/>
+              </a:pPr>
+              <a:t>20</a:t>
+            </a:fld>
+            <a:endParaRPr lang="en-US" altLang="en-US"/>
+          </a:p>
+        </p:txBody>
+      </p:sp>
+    </p:spTree>
+  </p:cSld>
+  <p:clrMapOvr>
+    <a:masterClrMapping/>
+  </p:clrMapOvr>
+</p:notes>
+</file>
+
+<file path=ppt/notesSlides/notesSlide14.xml><?xml version="1.0" encoding="utf-8"?>
+<p:notes xmlns:r="http://schemas.openxmlformats.org/officeDocument/2006/relationships" xmlns:c="http://schemas.openxmlformats.org/drawingml/2006/chart" xmlns:a="http://schemas.openxmlformats.org/drawingml/2006/main" xmlns:dgm="http://schemas.openxmlformats.org/drawingml/2006/diagram" xmlns:dsp="http://schemas.microsoft.com/office/drawing/2008/diagram" xmlns:p="http://schemas.openxmlformats.org/presentationml/2006/main">
+  <p:cSld>
+    <p:spTree>
+      <p:nvGrpSpPr>
+        <p:cNvPr id="1" name=""/>
+        <p:cNvGrpSpPr/>
+        <p:nvPr/>
+      </p:nvGrpSpPr>
+      <p:grpSpPr>
+        <a:xfrm>
+          <a:off x="0" y="0"/>
+          <a:ext cx="0" cy="0"/>
+          <a:chOff x="0" y="0"/>
+          <a:chExt cx="0" cy="0"/>
+        </a:xfrm>
+      </p:grpSpPr>
+      <p:sp>
+        <p:nvSpPr>
+          <p:cNvPr id="2" name="슬라이드 이미지 개체 틀 3"/>
+          <p:cNvSpPr>
+            <a:spLocks noGrp="1" noRot="1" noChangeAspect="1" noTextEdit="1"/>
+          </p:cNvSpPr>
+          <p:nvPr>
+            <p:ph type="sldImg" idx="2"/>
+          </p:nvPr>
+        </p:nvSpPr>
+        <p:spPr/>
+        <p:txBody>
+          <a:bodyPr/>
+          <a:lstStyle/>
+          <a:p>
+            <a:pPr>
+              <a:defRPr/>
+            </a:pPr>
+            <a:endParaRPr lang="ko-KR" altLang="en-US"/>
+          </a:p>
+        </p:txBody>
+      </p:sp>
+      <p:sp>
+        <p:nvSpPr>
+          <p:cNvPr id="3" name="슬라이드 노트 개체 틀 4"/>
+          <p:cNvSpPr>
+            <a:spLocks noGrp="1"/>
+          </p:cNvSpPr>
+          <p:nvPr>
+            <p:ph type="body" sz="quarter" idx="3"/>
+          </p:nvPr>
+        </p:nvSpPr>
+        <p:spPr/>
+        <p:txBody>
+          <a:bodyPr/>
+          <a:lstStyle/>
+          <a:p>
+            <a:pPr>
+              <a:defRPr/>
+            </a:pPr>
+            <a:r>
+              <a:rPr lang="ko-KR" altLang="en-US"/>
+              <a:t>대체할 타입을 참조형으로만 줘야 한다</a:t>
+            </a:r>
+            <a:r>
+              <a:rPr lang="en-US" altLang="ko-KR"/>
+              <a:t>.int</a:t>
+            </a:r>
+            <a:r>
+              <a:rPr lang="ko-KR" altLang="en-US"/>
+              <a:t> 나 </a:t>
+            </a:r>
+            <a:r>
+              <a:rPr lang="en-US" altLang="ko-KR"/>
+              <a:t>char</a:t>
+            </a:r>
+            <a:r>
+              <a:rPr lang="ko-KR" altLang="en-US"/>
+              <a:t>로 줄 수 없다</a:t>
+            </a:r>
+            <a:r>
+              <a:rPr lang="en-US" altLang="ko-KR"/>
+              <a:t>.</a:t>
+            </a:r>
+            <a:r>
+              <a:rPr lang="ko-KR" altLang="en-US"/>
+              <a:t> 그래서 래퍼클래스인 </a:t>
+            </a:r>
+            <a:endParaRPr lang="en-US" altLang="ko-KR"/>
+          </a:p>
+          <a:p>
+            <a:pPr>
+              <a:defRPr/>
+            </a:pPr>
+            <a:r>
+              <a:rPr lang="en-US" altLang="ko-KR"/>
+              <a:t>Integer</a:t>
+            </a:r>
+            <a:r>
+              <a:rPr lang="ko-KR" altLang="en-US"/>
+              <a:t>로 주면 </a:t>
+            </a:r>
+            <a:r>
+              <a:rPr lang="en-US" altLang="ko-KR"/>
+              <a:t>100</a:t>
+            </a:r>
+            <a:r>
+              <a:rPr lang="ko-KR" altLang="en-US"/>
+              <a:t>이라고 줘도 저장이 된다</a:t>
+            </a:r>
+            <a:r>
+              <a:rPr lang="en-US" altLang="ko-KR"/>
+              <a:t>.</a:t>
+            </a:r>
+            <a:endParaRPr lang="en-US" altLang="ko-KR"/>
+          </a:p>
+          <a:p>
+            <a:pPr>
+              <a:defRPr/>
+            </a:pPr>
+            <a:r>
+              <a:rPr lang="en-US" altLang="ko-KR"/>
+              <a:t>100</a:t>
+            </a:r>
+            <a:r>
+              <a:rPr lang="ko-KR" altLang="en-US"/>
+              <a:t>은 기본값인데 저장이 되는 것은</a:t>
+            </a:r>
+            <a:r>
+              <a:rPr lang="en-US" altLang="ko-KR"/>
+              <a:t>?</a:t>
+            </a:r>
+            <a:r>
+              <a:rPr lang="ko-KR" altLang="en-US"/>
+              <a:t> 자동으로 </a:t>
+            </a:r>
+            <a:r>
+              <a:rPr lang="en-US" altLang="ko-KR"/>
+              <a:t>boxing</a:t>
+            </a:r>
+            <a:r>
+              <a:rPr lang="ko-KR" altLang="en-US"/>
+              <a:t>이 되기 때문이다</a:t>
+            </a:r>
+            <a:r>
+              <a:rPr lang="en-US" altLang="ko-KR"/>
+              <a:t>.</a:t>
+            </a:r>
+            <a:endParaRPr lang="en-US" altLang="ko-KR"/>
+          </a:p>
+          <a:p>
+            <a:pPr>
+              <a:defRPr/>
+            </a:pPr>
+            <a:r>
+              <a:rPr lang="en-US" altLang="ko-KR"/>
+              <a:t>int content = box.content</a:t>
+            </a:r>
+            <a:r>
+              <a:rPr lang="ko-KR" altLang="en-US"/>
+              <a:t> 라고 해도 되는 것은 </a:t>
+            </a:r>
+            <a:r>
+              <a:rPr lang="en-US" altLang="ko-KR"/>
+              <a:t>boxing, unboxing </a:t>
+            </a:r>
+            <a:r>
+              <a:rPr lang="ko-KR" altLang="en-US"/>
+              <a:t>이 자동으로 적용되기 때문이다</a:t>
+            </a:r>
+            <a:r>
+              <a:rPr lang="en-US" altLang="ko-KR"/>
+              <a:t>.</a:t>
+            </a:r>
+            <a:endParaRPr lang="en-US" altLang="ko-KR"/>
+          </a:p>
+          <a:p>
+            <a:pPr>
+              <a:defRPr/>
+            </a:pPr>
+            <a:r>
+              <a:rPr lang="en-US" altLang="ko-KR"/>
+              <a:t>box&lt;string&gt; box = new box&lt;&gt;(); </a:t>
+            </a:r>
+            <a:r>
+              <a:rPr lang="ko-KR" altLang="en-US"/>
+              <a:t>과</a:t>
+            </a:r>
+            <a:r>
+              <a:rPr lang="en-US" altLang="ko-KR"/>
+              <a:t> </a:t>
+            </a:r>
+            <a:r>
+              <a:rPr lang="ko-KR" altLang="en-US"/>
+              <a:t>같이 뒷부분에 동일한타입이 들어가므로 뒷부분의 타입은 생략할 수 있다</a:t>
+            </a:r>
+            <a:r>
+              <a:rPr lang="en-US" altLang="ko-KR"/>
+              <a:t>.</a:t>
+            </a:r>
+            <a:endParaRPr lang="en-US" altLang="ko-KR"/>
+          </a:p>
+          <a:p>
+            <a:pPr>
+              <a:defRPr/>
+            </a:pPr>
+            <a:r>
+              <a:rPr lang="ko-KR" altLang="en-US"/>
+              <a:t>선언할 때 타입은 </a:t>
+            </a:r>
+            <a:r>
+              <a:rPr lang="en-US" altLang="ko-KR"/>
+              <a:t>&lt;T&gt; </a:t>
+            </a:r>
+            <a:r>
+              <a:rPr lang="ko-KR" altLang="en-US"/>
+              <a:t>이지만 </a:t>
+            </a:r>
+            <a:r>
+              <a:rPr lang="en-US" altLang="ko-KR"/>
+              <a:t>A,...Z </a:t>
+            </a:r>
+            <a:r>
+              <a:rPr lang="ko-KR" altLang="en-US"/>
+              <a:t>아무타입이나 입력해도 관계 없다</a:t>
+            </a:r>
+            <a:r>
+              <a:rPr lang="en-US" altLang="ko-KR"/>
+              <a:t>.</a:t>
+            </a:r>
+            <a:endParaRPr lang="en-US" altLang="ko-KR"/>
+          </a:p>
+          <a:p>
+            <a:pPr>
+              <a:defRPr/>
+            </a:pPr>
+            <a:endParaRPr lang="en-US" altLang="ko-KR"/>
+          </a:p>
+          <a:p>
+            <a:pPr>
+              <a:defRPr/>
+            </a:pPr>
+            <a:r>
+              <a:rPr lang="ko-KR" altLang="en-US"/>
+              <a:t>만약 </a:t>
+            </a:r>
+            <a:r>
+              <a:rPr lang="en-US" altLang="ko-KR"/>
+              <a:t>Box box = new Box()</a:t>
+            </a:r>
+            <a:r>
+              <a:rPr lang="ko-KR" altLang="en-US"/>
+              <a:t>라고 해도 에러는 발생하지 않지만 경고만 뜨는데 이때는 타입이 </a:t>
+            </a:r>
+            <a:r>
+              <a:rPr lang="en-US" altLang="ko-KR"/>
+              <a:t>Object</a:t>
+            </a:r>
+            <a:r>
+              <a:rPr lang="ko-KR" altLang="en-US"/>
+              <a:t>으로</a:t>
+            </a:r>
+            <a:r>
+              <a:rPr lang="en-US" altLang="ko-KR"/>
+              <a:t> </a:t>
+            </a:r>
+            <a:r>
+              <a:rPr lang="ko-KR" altLang="en-US"/>
+              <a:t>적용한 것이다</a:t>
+            </a:r>
+            <a:r>
+              <a:rPr lang="en-US" altLang="ko-KR"/>
+              <a:t>.</a:t>
+            </a:r>
+            <a:endParaRPr lang="en-US" altLang="ko-KR"/>
+          </a:p>
+        </p:txBody>
+      </p:sp>
+      <p:sp>
+        <p:nvSpPr>
+          <p:cNvPr id="4" name="슬라이드 번호 개체 틀 6"/>
+          <p:cNvSpPr>
+            <a:spLocks noGrp="1"/>
+          </p:cNvSpPr>
+          <p:nvPr>
+            <p:ph type="sldNum" sz="quarter" idx="5"/>
+          </p:nvPr>
+        </p:nvSpPr>
+        <p:spPr/>
+        <p:txBody>
+          <a:bodyPr/>
+          <a:lstStyle/>
+          <a:p>
+            <a:pPr lvl="0">
+              <a:defRPr/>
+            </a:pPr>
+            <a:fld id="{B02DD2F9-49A2-419E-BD07-AF9D3DB1CF69}" type="slidenum">
+              <a:rPr lang="en-US" altLang="en-US"/>
+              <a:pPr lvl="0">
+                <a:defRPr/>
+              </a:pPr>
+              <a:t>21</a:t>
+            </a:fld>
+            <a:endParaRPr lang="en-US" altLang="en-US"/>
+          </a:p>
+        </p:txBody>
+      </p:sp>
+    </p:spTree>
+  </p:cSld>
+  <p:clrMapOvr>
+    <a:masterClrMapping/>
+  </p:clrMapOvr>
+</p:notes>
+</file>
+
+<file path=ppt/notesSlides/notesSlide15.xml><?xml version="1.0" encoding="utf-8"?>
+<p:notes xmlns:r="http://schemas.openxmlformats.org/officeDocument/2006/relationships" xmlns:c="http://schemas.openxmlformats.org/drawingml/2006/chart" xmlns:a="http://schemas.openxmlformats.org/drawingml/2006/main" xmlns:dgm="http://schemas.openxmlformats.org/drawingml/2006/diagram" xmlns:dsp="http://schemas.microsoft.com/office/drawing/2008/diagram" xmlns:p="http://schemas.openxmlformats.org/presentationml/2006/main">
+  <p:cSld>
+    <p:spTree>
+      <p:nvGrpSpPr>
+        <p:cNvPr id="1" name=""/>
+        <p:cNvGrpSpPr/>
+        <p:nvPr/>
+      </p:nvGrpSpPr>
+      <p:grpSpPr>
+        <a:xfrm>
+          <a:off x="0" y="0"/>
+          <a:ext cx="0" cy="0"/>
+          <a:chOff x="0" y="0"/>
+          <a:chExt cx="0" cy="0"/>
+        </a:xfrm>
+      </p:grpSpPr>
+      <p:sp>
+        <p:nvSpPr>
+          <p:cNvPr id="2" name="슬라이드 이미지 개체 틀 3"/>
+          <p:cNvSpPr>
+            <a:spLocks noGrp="1" noRot="1" noChangeAspect="1" noTextEdit="1"/>
+          </p:cNvSpPr>
+          <p:nvPr>
+            <p:ph type="sldImg" idx="2"/>
+          </p:nvPr>
+        </p:nvSpPr>
+        <p:spPr/>
+        <p:txBody>
+          <a:bodyPr/>
+          <a:lstStyle/>
+          <a:p>
+            <a:pPr>
+              <a:defRPr/>
+            </a:pPr>
+            <a:endParaRPr lang="ko-KR" altLang="en-US"/>
+          </a:p>
+        </p:txBody>
+      </p:sp>
+      <p:sp>
+        <p:nvSpPr>
+          <p:cNvPr id="3" name="슬라이드 노트 개체 틀 4"/>
+          <p:cNvSpPr>
+            <a:spLocks noGrp="1"/>
+          </p:cNvSpPr>
+          <p:nvPr>
+            <p:ph type="body" sz="quarter" idx="3"/>
+          </p:nvPr>
+        </p:nvSpPr>
+        <p:spPr/>
+        <p:txBody>
+          <a:bodyPr/>
+          <a:lstStyle/>
+          <a:p>
+            <a:pPr>
+              <a:defRPr/>
+            </a:pPr>
+            <a:r>
+              <a:rPr lang="ko-KR" altLang="en-US"/>
+              <a:t/>
+            </a:r>
+            <a:endParaRPr lang="ko-KR" altLang="en-US"/>
+          </a:p>
+        </p:txBody>
+      </p:sp>
+      <p:sp>
+        <p:nvSpPr>
+          <p:cNvPr id="4" name="슬라이드 번호 개체 틀 6"/>
+          <p:cNvSpPr>
+            <a:spLocks noGrp="1"/>
+          </p:cNvSpPr>
+          <p:nvPr>
+            <p:ph type="sldNum" sz="quarter" idx="5"/>
+          </p:nvPr>
+        </p:nvSpPr>
+        <p:spPr/>
+        <p:txBody>
+          <a:bodyPr/>
+          <a:lstStyle/>
+          <a:p>
+            <a:pPr lvl="0">
+              <a:defRPr/>
+            </a:pPr>
+            <a:fld id="{B02DD2F9-49A2-419E-BD07-AF9D3DB1CF69}" type="slidenum">
+              <a:rPr lang="en-US" altLang="en-US"/>
+              <a:pPr lvl="0">
+                <a:defRPr/>
+              </a:pPr>
+              <a:t>22</a:t>
+            </a:fld>
+            <a:endParaRPr lang="en-US" altLang="en-US"/>
+          </a:p>
+        </p:txBody>
+      </p:sp>
+    </p:spTree>
+  </p:cSld>
+  <p:clrMapOvr>
+    <a:masterClrMapping/>
+  </p:clrMapOvr>
+</p:notes>
+</file>
+
+<file path=ppt/notesSlides/notesSlide16.xml><?xml version="1.0" encoding="utf-8"?>
+<p:notes xmlns:r="http://schemas.openxmlformats.org/officeDocument/2006/relationships" xmlns:c="http://schemas.openxmlformats.org/drawingml/2006/chart" xmlns:a="http://schemas.openxmlformats.org/drawingml/2006/main" xmlns:dgm="http://schemas.openxmlformats.org/drawingml/2006/diagram" xmlns:dsp="http://schemas.microsoft.com/office/drawing/2008/diagram" xmlns:p="http://schemas.openxmlformats.org/presentationml/2006/main">
+  <p:cSld>
+    <p:spTree>
+      <p:nvGrpSpPr>
+        <p:cNvPr id="1" name=""/>
+        <p:cNvGrpSpPr/>
+        <p:nvPr/>
+      </p:nvGrpSpPr>
+      <p:grpSpPr>
+        <a:xfrm>
+          <a:off x="0" y="0"/>
+          <a:ext cx="0" cy="0"/>
+          <a:chOff x="0" y="0"/>
+          <a:chExt cx="0" cy="0"/>
+        </a:xfrm>
+      </p:grpSpPr>
+      <p:sp>
+        <p:nvSpPr>
+          <p:cNvPr id="2" name="슬라이드 이미지 개체 틀 3"/>
+          <p:cNvSpPr>
+            <a:spLocks noGrp="1" noRot="1" noChangeAspect="1" noTextEdit="1"/>
+          </p:cNvSpPr>
+          <p:nvPr>
+            <p:ph type="sldImg" idx="2"/>
+          </p:nvPr>
+        </p:nvSpPr>
+        <p:spPr/>
+        <p:txBody>
+          <a:bodyPr/>
+          <a:lstStyle/>
+          <a:p>
+            <a:pPr>
+              <a:defRPr/>
+            </a:pPr>
+            <a:endParaRPr lang="en-US" altLang="ko-KR"/>
+          </a:p>
+        </p:txBody>
+      </p:sp>
+      <p:sp>
+        <p:nvSpPr>
+          <p:cNvPr id="3" name="슬라이드 노트 개체 틀 4"/>
+          <p:cNvSpPr>
+            <a:spLocks noGrp="1"/>
+          </p:cNvSpPr>
+          <p:nvPr>
+            <p:ph type="body" sz="quarter" idx="3"/>
+          </p:nvPr>
+        </p:nvSpPr>
+        <p:spPr/>
+        <p:txBody>
+          <a:bodyPr/>
+          <a:lstStyle/>
+          <a:p>
+            <a:pPr>
+              <a:defRPr/>
+            </a:pPr>
+            <a:r>
+              <a:rPr lang="en-US" altLang="ko-KR"/>
+              <a:t>Object</a:t>
+            </a:r>
+            <a:r>
+              <a:rPr lang="ko-KR" altLang="en-US"/>
+              <a:t> 타입을 적어야 해서 기초타입의 값을 저장하려고 해도 </a:t>
+            </a:r>
+            <a:r>
+              <a:rPr lang="en-US" altLang="ko-KR"/>
+              <a:t>int  </a:t>
+            </a:r>
+            <a:r>
+              <a:rPr lang="ko-KR" altLang="en-US"/>
+              <a:t>라고</a:t>
+            </a:r>
+            <a:r>
+              <a:rPr lang="en-US" altLang="ko-KR"/>
+              <a:t> </a:t>
+            </a:r>
+            <a:r>
+              <a:rPr lang="ko-KR" altLang="en-US"/>
+              <a:t>할 수 없다</a:t>
+            </a:r>
+            <a:r>
+              <a:rPr lang="en-US" altLang="ko-KR"/>
+              <a:t>.</a:t>
+            </a:r>
+            <a:endParaRPr lang="en-US" altLang="ko-KR"/>
+          </a:p>
+          <a:p>
+            <a:pPr>
+              <a:defRPr/>
+            </a:pPr>
+            <a:r>
+              <a:rPr lang="en-US" altLang="ko-KR"/>
+              <a:t>raw</a:t>
+            </a:r>
+            <a:r>
+              <a:rPr lang="ko-KR" altLang="en-US"/>
+              <a:t>타입 적용하면 문자</a:t>
+            </a:r>
+            <a:r>
+              <a:rPr lang="en-US" altLang="ko-KR"/>
+              <a:t>,</a:t>
+            </a:r>
+            <a:r>
+              <a:rPr lang="ko-KR" altLang="en-US"/>
+              <a:t>숫자를 다 입력할 수 있다</a:t>
+            </a:r>
+            <a:r>
+              <a:rPr lang="en-US" altLang="ko-KR"/>
+              <a:t>.</a:t>
+            </a:r>
+            <a:r>
+              <a:rPr lang="ko-KR" altLang="en-US"/>
+              <a:t> 즉 </a:t>
+            </a:r>
+            <a:r>
+              <a:rPr lang="en-US" altLang="ko-KR"/>
+              <a:t>auto boxing </a:t>
+            </a:r>
+            <a:r>
+              <a:rPr lang="ko-KR" altLang="en-US"/>
+              <a:t>된다</a:t>
+            </a:r>
+            <a:r>
+              <a:rPr lang="en-US" altLang="ko-KR"/>
+              <a:t>.</a:t>
+            </a:r>
+            <a:endParaRPr lang="en-US" altLang="ko-KR"/>
+          </a:p>
+          <a:p>
+            <a:pPr>
+              <a:defRPr/>
+            </a:pPr>
+            <a:r>
+              <a:rPr lang="en-US" altLang="ko-KR"/>
+              <a:t>box1=”100”, box2=”100”</a:t>
+            </a:r>
+            <a:r>
+              <a:rPr lang="ko-KR" altLang="en-US"/>
+              <a:t> </a:t>
+            </a:r>
+            <a:r>
+              <a:rPr lang="en-US" altLang="ko-KR"/>
+              <a:t>,box3=100,</a:t>
+            </a:r>
+            <a:r>
+              <a:rPr lang="ko-KR" altLang="en-US"/>
+              <a:t> 넣으면 </a:t>
+            </a:r>
+            <a:r>
+              <a:rPr lang="en-US" altLang="ko-KR"/>
+              <a:t>1</a:t>
+            </a:r>
+            <a:r>
+              <a:rPr lang="ko-KR" altLang="en-US"/>
+              <a:t>과</a:t>
+            </a:r>
+            <a:r>
+              <a:rPr lang="en-US" altLang="ko-KR"/>
+              <a:t> 2</a:t>
+            </a:r>
+            <a:r>
+              <a:rPr lang="ko-KR" altLang="en-US"/>
+              <a:t>둘은 같고</a:t>
+            </a:r>
+            <a:r>
+              <a:rPr lang="en-US" altLang="ko-KR"/>
+              <a:t>,</a:t>
+            </a:r>
+            <a:r>
+              <a:rPr lang="ko-KR" altLang="en-US"/>
+              <a:t> </a:t>
+            </a:r>
+            <a:r>
+              <a:rPr lang="en-US" altLang="ko-KR"/>
+              <a:t>1</a:t>
+            </a:r>
+            <a:r>
+              <a:rPr lang="ko-KR" altLang="en-US"/>
+              <a:t>과</a:t>
+            </a:r>
+            <a:r>
+              <a:rPr lang="en-US" altLang="ko-KR"/>
+              <a:t> 3</a:t>
+            </a:r>
+            <a:r>
+              <a:rPr lang="ko-KR" altLang="en-US"/>
+              <a:t>은</a:t>
+            </a:r>
+            <a:r>
+              <a:rPr lang="en-US" altLang="ko-KR"/>
+              <a:t> </a:t>
+            </a:r>
+            <a:r>
+              <a:rPr lang="ko-KR" altLang="en-US"/>
+              <a:t>주소를 가지고 비교하니까 </a:t>
+            </a:r>
+            <a:r>
+              <a:rPr lang="en-US" altLang="ko-KR"/>
+              <a:t>box1.equals(box3)</a:t>
+            </a:r>
+            <a:r>
+              <a:rPr lang="ko-KR" altLang="en-US"/>
+              <a:t>는 다르다 라고 내용을 비교할 수 있음</a:t>
+            </a:r>
+            <a:endParaRPr lang="ko-KR" altLang="en-US"/>
+          </a:p>
+          <a:p>
+            <a:pPr>
+              <a:defRPr/>
+            </a:pPr>
+            <a:endParaRPr lang="ko-KR" altLang="en-US"/>
+          </a:p>
+          <a:p>
+            <a:pPr>
+              <a:defRPr/>
+            </a:pPr>
+            <a:endParaRPr lang="ko-KR" altLang="en-US"/>
+          </a:p>
+        </p:txBody>
+      </p:sp>
+      <p:sp>
+        <p:nvSpPr>
+          <p:cNvPr id="4" name="슬라이드 번호 개체 틀 6"/>
+          <p:cNvSpPr>
+            <a:spLocks noGrp="1"/>
+          </p:cNvSpPr>
+          <p:nvPr>
+            <p:ph type="sldNum" sz="quarter" idx="5"/>
+          </p:nvPr>
+        </p:nvSpPr>
+        <p:spPr/>
+        <p:txBody>
+          <a:bodyPr/>
+          <a:lstStyle/>
+          <a:p>
+            <a:pPr lvl="0">
+              <a:defRPr/>
+            </a:pPr>
+            <a:fld id="{B02DD2F9-49A2-419E-BD07-AF9D3DB1CF69}" type="slidenum">
+              <a:rPr lang="en-US" altLang="en-US"/>
+              <a:pPr lvl="0">
+                <a:defRPr/>
+              </a:pPr>
+              <a:t>24</a:t>
+            </a:fld>
+            <a:endParaRPr lang="en-US" altLang="en-US"/>
+          </a:p>
+        </p:txBody>
+      </p:sp>
+    </p:spTree>
+  </p:cSld>
+  <p:clrMapOvr>
+    <a:masterClrMapping/>
+  </p:clrMapOvr>
+</p:notes>
+</file>
+
+<file path=ppt/notesSlides/notesSlide17.xml><?xml version="1.0" encoding="utf-8"?>
+<p:notes xmlns:r="http://schemas.openxmlformats.org/officeDocument/2006/relationships" xmlns:c="http://schemas.openxmlformats.org/drawingml/2006/chart" xmlns:a="http://schemas.openxmlformats.org/drawingml/2006/main" xmlns:dgm="http://schemas.openxmlformats.org/drawingml/2006/diagram" xmlns:dsp="http://schemas.microsoft.com/office/drawing/2008/diagram" xmlns:p="http://schemas.openxmlformats.org/presentationml/2006/main">
+  <p:cSld>
+    <p:spTree>
+      <p:nvGrpSpPr>
+        <p:cNvPr id="1" name=""/>
+        <p:cNvGrpSpPr/>
+        <p:nvPr/>
+      </p:nvGrpSpPr>
+      <p:grpSpPr>
+        <a:xfrm>
+          <a:off x="0" y="0"/>
+          <a:ext cx="0" cy="0"/>
+          <a:chOff x="0" y="0"/>
+          <a:chExt cx="0" cy="0"/>
+        </a:xfrm>
+      </p:grpSpPr>
+      <p:sp>
+        <p:nvSpPr>
+          <p:cNvPr id="2" name="슬라이드 이미지 개체 틀 3"/>
+          <p:cNvSpPr>
+            <a:spLocks noGrp="1" noRot="1" noChangeAspect="1" noTextEdit="1"/>
+          </p:cNvSpPr>
+          <p:nvPr>
+            <p:ph type="sldImg" idx="2"/>
+          </p:nvPr>
+        </p:nvSpPr>
+        <p:spPr/>
+        <p:txBody>
+          <a:bodyPr/>
+          <a:lstStyle/>
+          <a:p>
+            <a:pPr>
+              <a:defRPr/>
+            </a:pPr>
+            <a:endParaRPr lang="ko-KR" altLang="en-US"/>
+          </a:p>
+        </p:txBody>
+      </p:sp>
+      <p:sp>
+        <p:nvSpPr>
+          <p:cNvPr id="3" name="슬라이드 노트 개체 틀 4"/>
+          <p:cNvSpPr>
+            <a:spLocks noGrp="1"/>
+          </p:cNvSpPr>
+          <p:nvPr>
+            <p:ph type="body" sz="quarter" idx="3"/>
+          </p:nvPr>
+        </p:nvSpPr>
+        <p:spPr/>
+        <p:txBody>
+          <a:bodyPr/>
+          <a:lstStyle/>
+          <a:p>
+            <a:pPr>
+              <a:defRPr/>
+            </a:pPr>
+            <a:r>
+              <a:rPr lang="ko-KR" altLang="en-US"/>
+              <a:t/>
+            </a:r>
+            <a:endParaRPr lang="ko-KR" altLang="en-US"/>
+          </a:p>
+        </p:txBody>
+      </p:sp>
+      <p:sp>
+        <p:nvSpPr>
+          <p:cNvPr id="4" name="슬라이드 번호 개체 틀 6"/>
+          <p:cNvSpPr>
+            <a:spLocks noGrp="1"/>
+          </p:cNvSpPr>
+          <p:nvPr>
+            <p:ph type="sldNum" sz="quarter" idx="5"/>
+          </p:nvPr>
+        </p:nvSpPr>
+        <p:spPr/>
+        <p:txBody>
+          <a:bodyPr/>
+          <a:lstStyle/>
+          <a:p>
+            <a:pPr lvl="0">
+              <a:defRPr/>
+            </a:pPr>
+            <a:fld id="{B02DD2F9-49A2-419E-BD07-AF9D3DB1CF69}" type="slidenum">
+              <a:rPr lang="en-US" altLang="en-US"/>
+              <a:pPr lvl="0">
+                <a:defRPr/>
+              </a:pPr>
+              <a:t>28</a:t>
+            </a:fld>
+            <a:endParaRPr lang="en-US" altLang="en-US"/>
+          </a:p>
+        </p:txBody>
+      </p:sp>
+    </p:spTree>
+  </p:cSld>
+  <p:clrMapOvr>
+    <a:masterClrMapping/>
+  </p:clrMapOvr>
+</p:notes>
+</file>
+
+<file path=ppt/notesSlides/notesSlide18.xml><?xml version="1.0" encoding="utf-8"?>
+<p:notes xmlns:r="http://schemas.openxmlformats.org/officeDocument/2006/relationships" xmlns:c="http://schemas.openxmlformats.org/drawingml/2006/chart" xmlns:a="http://schemas.openxmlformats.org/drawingml/2006/main" xmlns:dgm="http://schemas.openxmlformats.org/drawingml/2006/diagram" xmlns:dsp="http://schemas.microsoft.com/office/drawing/2008/diagram" xmlns:p="http://schemas.openxmlformats.org/presentationml/2006/main">
+  <p:cSld>
+    <p:spTree>
+      <p:nvGrpSpPr>
+        <p:cNvPr id="1" name=""/>
+        <p:cNvGrpSpPr/>
+        <p:nvPr/>
+      </p:nvGrpSpPr>
+      <p:grpSpPr>
+        <a:xfrm>
+          <a:off x="0" y="0"/>
+          <a:ext cx="0" cy="0"/>
+          <a:chOff x="0" y="0"/>
+          <a:chExt cx="0" cy="0"/>
+        </a:xfrm>
+      </p:grpSpPr>
+      <p:sp>
+        <p:nvSpPr>
+          <p:cNvPr id="2" name="슬라이드 이미지 개체 틀 3"/>
+          <p:cNvSpPr>
+            <a:spLocks noGrp="1" noRot="1" noChangeAspect="1" noTextEdit="1"/>
+          </p:cNvSpPr>
+          <p:nvPr>
+            <p:ph type="sldImg" idx="2"/>
+          </p:nvPr>
+        </p:nvSpPr>
+        <p:spPr/>
+        <p:txBody>
+          <a:bodyPr/>
+          <a:lstStyle/>
+          <a:p>
+            <a:pPr>
+              <a:defRPr/>
+            </a:pPr>
+            <a:endParaRPr lang="ko-KR" altLang="en-US"/>
+          </a:p>
+        </p:txBody>
+      </p:sp>
+      <p:sp>
+        <p:nvSpPr>
+          <p:cNvPr id="3" name="슬라이드 노트 개체 틀 4"/>
+          <p:cNvSpPr>
+            <a:spLocks noGrp="1"/>
+          </p:cNvSpPr>
+          <p:nvPr>
+            <p:ph type="body" sz="quarter" idx="3"/>
+          </p:nvPr>
+        </p:nvSpPr>
+        <p:spPr/>
+        <p:txBody>
+          <a:bodyPr/>
+          <a:lstStyle/>
+          <a:p>
+            <a:pPr>
+              <a:defRPr/>
+            </a:pPr>
+            <a:r>
+              <a:rPr lang="ko-KR" altLang="en-US"/>
+              <a:t/>
+            </a:r>
+            <a:endParaRPr lang="ko-KR" altLang="en-US"/>
+          </a:p>
+        </p:txBody>
+      </p:sp>
+      <p:sp>
+        <p:nvSpPr>
+          <p:cNvPr id="4" name="슬라이드 번호 개체 틀 6"/>
+          <p:cNvSpPr>
+            <a:spLocks noGrp="1"/>
+          </p:cNvSpPr>
+          <p:nvPr>
+            <p:ph type="sldNum" sz="quarter" idx="5"/>
+          </p:nvPr>
+        </p:nvSpPr>
+        <p:spPr/>
+        <p:txBody>
+          <a:bodyPr/>
+          <a:lstStyle/>
+          <a:p>
+            <a:pPr lvl="0">
+              <a:defRPr/>
+            </a:pPr>
+            <a:fld id="{B02DD2F9-49A2-419E-BD07-AF9D3DB1CF69}" type="slidenum">
+              <a:rPr lang="en-US" altLang="en-US"/>
+              <a:pPr lvl="0">
+                <a:defRPr/>
+              </a:pPr>
+              <a:t>29</a:t>
             </a:fld>
             <a:endParaRPr lang="en-US" altLang="en-US"/>
           </a:p>
@@ -6533,7 +8092,7 @@
             </a:pPr>
             <a:r>
               <a:rPr lang="en-US" altLang="ko-KR"/>
-              <a:t>       System.out.println(ae,getMessage());</a:t>
+              <a:t>       System.out.println(ae.getMessage());</a:t>
             </a:r>
             <a:endParaRPr lang="en-US" altLang="ko-KR"/>
           </a:p>
@@ -8482,7 +10041,7 @@
 </file>
 
 <file path=ppt/slides/slide17.xml><?xml version="1.0" encoding="utf-8"?>
-<p:sld xmlns:a="http://schemas.openxmlformats.org/drawingml/2006/main" xmlns:r="http://schemas.openxmlformats.org/officeDocument/2006/relationships" xmlns:p="http://schemas.openxmlformats.org/presentationml/2006/main">
+<p:sld xmlns:r="http://schemas.openxmlformats.org/officeDocument/2006/relationships" xmlns:c="http://schemas.openxmlformats.org/drawingml/2006/chart" xmlns:a="http://schemas.openxmlformats.org/drawingml/2006/main" xmlns:dgm="http://schemas.openxmlformats.org/drawingml/2006/diagram" xmlns:dsp="http://schemas.microsoft.com/office/drawing/2008/diagram" xmlns:p="http://schemas.openxmlformats.org/presentationml/2006/main">
   <p:cSld>
     <p:spTree>
       <p:nvGrpSpPr>
@@ -8505,7 +10064,7 @@
             <a:spLocks noGrp="1"/>
           </p:cNvSpPr>
           <p:nvPr>
-            <p:ph type="title"/>
+            <p:ph type="title" idx="0"/>
           </p:nvPr>
         </p:nvSpPr>
         <p:spPr/>
@@ -8513,14 +10072,14 @@
           <a:bodyPr/>
           <a:lstStyle/>
           <a:p>
-            <a:r>
-              <a:rPr lang="ko-KR" altLang="en-US" dirty="0">
-                <a:solidFill>
-                  <a:srgbClr val="FF0000"/>
-                </a:solidFill>
-              </a:rPr>
+            <a:pPr lvl="0">
+              <a:defRPr/>
+            </a:pPr>
+            <a:r>
+              <a:rPr lang="ko-KR" altLang="en-US"/>
               <a:t>제네릭 타입</a:t>
             </a:r>
+            <a:endParaRPr lang="ko-KR" altLang="en-US"/>
           </a:p>
         </p:txBody>
       </p:sp>
@@ -8539,225 +10098,225 @@
           <a:bodyPr/>
           <a:lstStyle/>
           <a:p>
-            <a:r>
-              <a:rPr lang="ko-KR" altLang="en-US" dirty="0"/>
-              <a:t>필요성</a:t>
-            </a:r>
-            <a:endParaRPr lang="en-US" altLang="ko-KR" dirty="0"/>
-          </a:p>
-          <a:p>
-            <a:pPr lvl="1"/>
-            <a:r>
-              <a:rPr lang="ko-KR" altLang="en-US" dirty="0"/>
-              <a:t>자바는 다양한 종류의 객체를 관리하는 컬렉션이라는 자료구조를 제공</a:t>
-            </a:r>
-            <a:endParaRPr lang="en-US" altLang="ko-KR" dirty="0"/>
-          </a:p>
-          <a:p>
-            <a:pPr lvl="1"/>
-            <a:r>
-              <a:rPr lang="ko-KR" altLang="en-US" dirty="0"/>
-              <a:t>초기에는 </a:t>
-            </a:r>
-            <a:r>
-              <a:rPr lang="en-US" altLang="ko-KR" dirty="0"/>
-              <a:t>Object </a:t>
-            </a:r>
-            <a:r>
-              <a:rPr lang="ko-KR" altLang="en-US" dirty="0"/>
-              <a:t>타입의 컬렉션을 사용</a:t>
-            </a:r>
-            <a:endParaRPr lang="en-US" altLang="ko-KR" dirty="0"/>
-          </a:p>
-          <a:p>
-            <a:pPr lvl="1"/>
-            <a:r>
-              <a:rPr lang="en-US" altLang="ko-KR" dirty="0"/>
-              <a:t>Object </a:t>
-            </a:r>
-            <a:r>
-              <a:rPr lang="ko-KR" altLang="en-US" dirty="0"/>
-              <a:t>타입의 컬렉션은 실행하기 전에는 어떤 객체인지</a:t>
-            </a:r>
-            <a:r>
-              <a:rPr lang="en-US" altLang="ko-KR" dirty="0"/>
-              <a:t>?</a:t>
-            </a:r>
-          </a:p>
-          <a:p>
-            <a:pPr lvl="1"/>
-            <a:endParaRPr lang="en-US" altLang="ko-KR" dirty="0"/>
-          </a:p>
-          <a:p>
-            <a:pPr lvl="1"/>
-            <a:endParaRPr lang="en-US" altLang="ko-KR" dirty="0"/>
-          </a:p>
-          <a:p>
-            <a:pPr lvl="1"/>
-            <a:endParaRPr lang="en-US" altLang="ko-KR" dirty="0"/>
-          </a:p>
-          <a:p>
-            <a:pPr lvl="1"/>
-            <a:endParaRPr lang="en-US" altLang="ko-KR" dirty="0"/>
-          </a:p>
-          <a:p>
-            <a:pPr lvl="1"/>
-            <a:endParaRPr lang="en-US" altLang="ko-KR" dirty="0"/>
-          </a:p>
-          <a:p>
-            <a:pPr lvl="1"/>
-            <a:endParaRPr lang="en-US" altLang="ko-KR" dirty="0"/>
-          </a:p>
-          <a:p>
-            <a:pPr lvl="1"/>
-            <a:endParaRPr lang="en-US" altLang="ko-KR" dirty="0"/>
-          </a:p>
-          <a:p>
-            <a:pPr lvl="1"/>
-            <a:r>
-              <a:rPr lang="ko-KR" altLang="en-US" dirty="0"/>
-              <a:t>예제</a:t>
-            </a:r>
-            <a:r>
-              <a:rPr lang="en-US" altLang="ko-KR" dirty="0"/>
-              <a:t>(Object </a:t>
-            </a:r>
-            <a:r>
-              <a:rPr lang="ko-KR" altLang="en-US" dirty="0"/>
-              <a:t>타입</a:t>
-            </a:r>
-            <a:r>
-              <a:rPr lang="en-US" altLang="ko-KR" dirty="0"/>
+            <a:pPr lvl="0">
+              <a:defRPr/>
+            </a:pPr>
+            <a:r>
+              <a:rPr lang="ko-KR" altLang="en-US"/>
+              <a:t>제네릭 </a:t>
+            </a:r>
+            <a:r>
+              <a:rPr lang="en-US" altLang="ko-KR"/>
+              <a:t>:</a:t>
+            </a:r>
+            <a:r>
+              <a:rPr lang="ko-KR" altLang="en-US"/>
+              <a:t> 포괄적인</a:t>
+            </a:r>
+            <a:r>
+              <a:rPr lang="en-US" altLang="ko-KR"/>
+              <a:t>(</a:t>
+            </a:r>
+            <a:r>
+              <a:rPr lang="ko-KR" altLang="en-US"/>
+              <a:t>구체적인의 반대</a:t>
+            </a:r>
+            <a:r>
+              <a:rPr lang="en-US" altLang="ko-KR"/>
               <a:t>)</a:t>
             </a:r>
             <a:r>
-              <a:rPr lang="ko-KR" altLang="en-US" dirty="0"/>
+              <a:rPr lang="ko-KR" altLang="en-US"/>
               <a:t> </a:t>
             </a:r>
-            <a:endParaRPr lang="en-US" altLang="ko-KR" dirty="0"/>
-          </a:p>
-          <a:p>
-            <a:pPr lvl="2"/>
-            <a:r>
-              <a:rPr lang="en-US" altLang="ko-KR" dirty="0">
-                <a:hlinkClick r:id="rId2" action="ppaction://hlinkfile"/>
-              </a:rPr>
-              <a:t>sec03/Beverage</a:t>
-            </a:r>
-            <a:r>
-              <a:rPr lang="en-US" altLang="ko-KR" dirty="0"/>
+            <a:r>
+              <a:rPr lang="en-US" altLang="ko-KR"/>
+              <a:t>,</a:t>
+            </a:r>
+            <a:r>
+              <a:rPr lang="ko-KR" altLang="en-US"/>
+              <a:t> 타입을 결정하지 않고 클래스를 설계</a:t>
+            </a:r>
+            <a:endParaRPr lang="ko-KR" altLang="en-US"/>
+          </a:p>
+          <a:p>
+            <a:pPr lvl="1">
+              <a:defRPr/>
+            </a:pPr>
+            <a:r>
+              <a:rPr lang="ko-KR" altLang="en-US"/>
+              <a:t>필드선언할때 타입이 필요</a:t>
+            </a:r>
+            <a:r>
+              <a:rPr lang="en-US" altLang="ko-KR"/>
+              <a:t>,</a:t>
+            </a:r>
+            <a:r>
+              <a:rPr lang="ko-KR" altLang="en-US"/>
+              <a:t> 생성자의 매개변수 등에 타입이 들어간다</a:t>
+            </a:r>
+            <a:r>
+              <a:rPr lang="en-US" altLang="ko-KR"/>
+              <a:t>.</a:t>
+            </a:r>
+            <a:endParaRPr lang="en-US" altLang="ko-KR"/>
+          </a:p>
+          <a:p>
+            <a:pPr lvl="1">
+              <a:defRPr/>
+            </a:pPr>
+            <a:r>
+              <a:rPr lang="ko-KR" altLang="en-US"/>
+              <a:t>이러한 타입이 구체적이지 않고 포괄적인 타입으로 선언할 수 있다는 것이다</a:t>
+            </a:r>
+            <a:r>
+              <a:rPr lang="en-US" altLang="ko-KR"/>
+              <a:t>.</a:t>
+            </a:r>
+            <a:endParaRPr lang="en-US" altLang="ko-KR"/>
+          </a:p>
+          <a:p>
+            <a:pPr lvl="1">
+              <a:defRPr/>
+            </a:pPr>
+            <a:r>
+              <a:rPr lang="ko-KR" altLang="en-US"/>
+              <a:t>실제로 사용을 할때는 구체적인 타입이 결정이 되어야 하지만 설계할때는 구체적 타입을 언급하지 않고 사용할 때 구체적인 타입을 결정함</a:t>
+            </a:r>
+            <a:endParaRPr lang="ko-KR" altLang="en-US"/>
+          </a:p>
+          <a:p>
+            <a:pPr lvl="0">
+              <a:defRPr/>
+            </a:pPr>
+            <a:r>
+              <a:rPr lang="ko-KR" altLang="en-US"/>
+              <a:t>제네릭 타입의 의미</a:t>
+            </a:r>
+            <a:endParaRPr lang="ko-KR" altLang="en-US"/>
+          </a:p>
+          <a:p>
+            <a:pPr lvl="1">
+              <a:defRPr/>
+            </a:pPr>
+            <a:r>
+              <a:rPr lang="ko-KR" altLang="en-US"/>
+              <a:t>하나의 코드를 다양한 타입의 객체에 재사용하는 객체 지향 기법</a:t>
+            </a:r>
+            <a:endParaRPr lang="ko-KR" altLang="en-US"/>
+          </a:p>
+          <a:p>
+            <a:pPr lvl="1">
+              <a:defRPr/>
+            </a:pPr>
+            <a:r>
+              <a:rPr lang="ko-KR" altLang="en-US"/>
+              <a:t>결정되지 않은 타입을 파라미터를 가지는 클래스와 인터페이스를 제네릭 타입이라고 함</a:t>
+            </a:r>
+            <a:endParaRPr lang="ko-KR" altLang="en-US"/>
+          </a:p>
+          <a:p>
+            <a:pPr lvl="1">
+              <a:defRPr/>
+            </a:pPr>
+            <a:r>
+              <a:rPr lang="ko-KR" altLang="en-US"/>
+              <a:t>클래스</a:t>
+            </a:r>
+            <a:r>
+              <a:rPr lang="en-US" altLang="ko-KR"/>
               <a:t>, </a:t>
             </a:r>
             <a:r>
-              <a:rPr lang="en-US" altLang="ko-KR" dirty="0">
-                <a:hlinkClick r:id="rId3" action="ppaction://hlinkfile"/>
-              </a:rPr>
-              <a:t>sec03/Beer</a:t>
-            </a:r>
-            <a:r>
-              <a:rPr lang="en-US" altLang="ko-KR" dirty="0"/>
+              <a:rPr lang="ko-KR" altLang="en-US"/>
+              <a:t>인터페이스</a:t>
+            </a:r>
+            <a:r>
+              <a:rPr lang="en-US" altLang="ko-KR"/>
               <a:t>, </a:t>
             </a:r>
             <a:r>
-              <a:rPr lang="en-US" altLang="ko-KR" dirty="0">
-                <a:hlinkClick r:id="rId4" action="ppaction://hlinkfile"/>
-              </a:rPr>
-              <a:t>sec03/</a:t>
-            </a:r>
-            <a:r>
-              <a:rPr lang="en-US" altLang="ko-KR" dirty="0" err="1">
-                <a:hlinkClick r:id="rId4" action="ppaction://hlinkfile"/>
-              </a:rPr>
-              <a:t>Boricha</a:t>
-            </a:r>
-            <a:r>
-              <a:rPr lang="en-US" altLang="ko-KR" dirty="0"/>
-              <a:t>, </a:t>
-            </a:r>
-            <a:r>
-              <a:rPr lang="en-US" altLang="ko-KR" dirty="0">
-                <a:hlinkClick r:id="rId5" action="ppaction://hlinkfile"/>
-              </a:rPr>
-              <a:t>sec03/object/Cup</a:t>
-            </a:r>
-            <a:endParaRPr lang="en-US" altLang="ko-KR" dirty="0"/>
-          </a:p>
-          <a:p>
-            <a:pPr lvl="2"/>
-            <a:r>
-              <a:rPr lang="en-US" altLang="ko-KR" dirty="0">
-                <a:hlinkClick r:id="rId6" action="ppaction://hlinkfile"/>
-              </a:rPr>
-              <a:t>sec03/GenericClass1Demo</a:t>
-            </a:r>
-            <a:br>
-              <a:rPr lang="en-US" altLang="ko-KR" dirty="0"/>
-            </a:br>
-            <a:endParaRPr lang="en-US" altLang="ko-KR" dirty="0"/>
-          </a:p>
-          <a:p>
-            <a:endParaRPr lang="en-US" altLang="ko-KR" dirty="0"/>
-          </a:p>
-          <a:p>
-            <a:pPr lvl="1"/>
-            <a:endParaRPr lang="ko-KR" altLang="en-US" dirty="0"/>
+              <a:rPr lang="ko-KR" altLang="en-US"/>
+              <a:t>메서드를 정의할 때 타입을 변수로 사용</a:t>
+            </a:r>
+            <a:endParaRPr lang="ko-KR" altLang="en-US"/>
+          </a:p>
+          <a:p>
+            <a:pPr lvl="0">
+              <a:defRPr/>
+            </a:pPr>
+            <a:r>
+              <a:rPr lang="ko-KR" altLang="en-US"/>
+              <a:t>제네릭 타입의 장점</a:t>
+            </a:r>
+            <a:endParaRPr lang="ko-KR" altLang="en-US"/>
+          </a:p>
+          <a:p>
+            <a:pPr lvl="2">
+              <a:defRPr/>
+            </a:pPr>
+            <a:r>
+              <a:rPr lang="ko-KR" altLang="en-US"/>
+              <a:t>컴파일할 때 타입을 점검하기 때문에 실행 도중 발생할 오류 사전 방지</a:t>
+            </a:r>
+            <a:endParaRPr lang="ko-KR" altLang="en-US"/>
+          </a:p>
+          <a:p>
+            <a:pPr lvl="3">
+              <a:defRPr/>
+            </a:pPr>
+            <a:r>
+              <a:rPr lang="ko-KR" altLang="en-US"/>
+              <a:t>타입 안정성을 제공</a:t>
+            </a:r>
+            <a:endParaRPr lang="ko-KR" altLang="en-US"/>
+          </a:p>
+          <a:p>
+            <a:pPr lvl="2">
+              <a:defRPr/>
+            </a:pPr>
+            <a:r>
+              <a:rPr lang="ko-KR" altLang="en-US"/>
+              <a:t>불필요한 타입 변환이 없어 프로그램 성능 향상</a:t>
+            </a:r>
+            <a:endParaRPr lang="ko-KR" altLang="en-US"/>
+          </a:p>
+          <a:p>
+            <a:pPr lvl="3">
+              <a:defRPr/>
+            </a:pPr>
+            <a:r>
+              <a:rPr lang="ko-KR" altLang="en-US"/>
+              <a:t>타입체크와 형변환을 생략할 수 있으므로 코드가 간결해짐</a:t>
+            </a:r>
+            <a:endParaRPr lang="ko-KR" altLang="en-US"/>
+          </a:p>
+          <a:p>
+            <a:pPr lvl="1">
+              <a:defRPr/>
+            </a:pPr>
+            <a:endParaRPr lang="ko-KR" altLang="en-US"/>
           </a:p>
         </p:txBody>
       </p:sp>
       <p:pic>
         <p:nvPicPr>
-          <p:cNvPr id="4" name="그림 3"/>
+          <p:cNvPr id="5" name="그림 3"/>
           <p:cNvPicPr>
             <a:picLocks noChangeAspect="1"/>
           </p:cNvPicPr>
           <p:nvPr/>
         </p:nvPicPr>
-        <p:blipFill>
-          <a:blip r:embed="rId7">
-            <a:extLst>
-              <a:ext uri="{28A0092B-C50C-407E-A947-70E740481C1C}">
-                <a14:useLocalDpi xmlns:a14="http://schemas.microsoft.com/office/drawing/2010/main" val="0"/>
-              </a:ext>
-            </a:extLst>
-          </a:blip>
+        <p:blipFill rotWithShape="1">
+          <a:blip r:embed="rId3"/>
           <a:stretch>
             <a:fillRect/>
           </a:stretch>
         </p:blipFill>
         <p:spPr>
           <a:xfrm>
-            <a:off x="883782" y="2235379"/>
-            <a:ext cx="6744258" cy="1729065"/>
-          </a:xfrm>
-          <a:prstGeom prst="rect">
-            <a:avLst/>
-          </a:prstGeom>
-        </p:spPr>
-      </p:pic>
-      <p:pic>
-        <p:nvPicPr>
-          <p:cNvPr id="5" name="그림 4"/>
-          <p:cNvPicPr>
-            <a:picLocks noChangeAspect="1"/>
-          </p:cNvPicPr>
-          <p:nvPr/>
-        </p:nvPicPr>
-        <p:blipFill>
-          <a:blip r:embed="rId8" cstate="print">
-            <a:extLst>
-              <a:ext uri="{28A0092B-C50C-407E-A947-70E740481C1C}">
-                <a14:useLocalDpi xmlns:a14="http://schemas.microsoft.com/office/drawing/2010/main" val="0"/>
-              </a:ext>
-            </a:extLst>
-          </a:blip>
-          <a:stretch>
-            <a:fillRect/>
-          </a:stretch>
-        </p:blipFill>
-        <p:spPr>
-          <a:xfrm>
-            <a:off x="3337447" y="4952632"/>
-            <a:ext cx="487575" cy="490858"/>
+            <a:off x="1473398" y="5105017"/>
+            <a:ext cx="5989235" cy="1429430"/>
           </a:xfrm>
           <a:prstGeom prst="rect">
             <a:avLst/>
@@ -8765,15 +10324,93 @@
         </p:spPr>
       </p:pic>
     </p:spTree>
-    <p:extLst>
-      <p:ext uri="{BB962C8B-B14F-4D97-AF65-F5344CB8AC3E}">
-        <p14:creationId xmlns:p14="http://schemas.microsoft.com/office/powerpoint/2010/main" val="487525469"/>
-      </p:ext>
-    </p:extLst>
   </p:cSld>
   <p:clrMapOvr>
     <a:masterClrMapping/>
   </p:clrMapOvr>
+  <mc:AlternateContent xmlns:mc="http://schemas.openxmlformats.org/markup-compatibility/2006">
+    <mc:Choice xmlns:p14="http://schemas.microsoft.com/office/powerpoint/2010/main" Requires="p14">
+      <p:transition xmlns:mc="http://schemas.openxmlformats.org/markup-compatibility/2006" xmlns:p14="http://schemas.microsoft.com/office/powerpoint/2010/main" mc:Ignorable="p14" p14:dur="500"/>
+    </mc:Choice>
+    <mc:Fallback>
+      <p:transition/>
+    </mc:Fallback>
+  </mc:AlternateContent>
+  <p:timing>
+    <p:tnLst>
+      <p:par>
+        <p:cTn id="1" dur="indefinite" restart="never" nodeType="tmRoot">
+          <p:childTnLst>
+            <p:seq concurrent="1" nextAc="seek">
+              <p:cTn id="2" dur="indefinite" nodeType="mainSeq">
+                <p:childTnLst>
+                  <p:par>
+                    <p:cTn id="3" fill="hold">
+                      <p:stCondLst>
+                        <p:cond delay="indefinite"/>
+                      </p:stCondLst>
+                      <p:childTnLst>
+                        <p:par>
+                          <p:cTn id="4" fill="hold">
+                            <p:stCondLst>
+                              <p:cond delay="0"/>
+                            </p:stCondLst>
+                            <p:childTnLst>
+                              <p:par>
+                                <p:cTn id="5" presetID="1" presetClass="entr" presetSubtype="0" fill="hold" nodeType="clickEffect">
+                                  <p:stCondLst>
+                                    <p:cond delay="0"/>
+                                  </p:stCondLst>
+                                  <p:childTnLst>
+                                    <p:set>
+                                      <p:cBhvr>
+                                        <p:cTn id="6" dur="1" fill="hold">
+                                          <p:stCondLst>
+                                            <p:cond delay="0"/>
+                                          </p:stCondLst>
+                                        </p:cTn>
+                                        <p:tgtEl>
+                                          <p:spTgt spid="5"/>
+                                        </p:tgtEl>
+                                        <p:attrNameLst>
+                                          <p:attrName>style.visibility</p:attrName>
+                                        </p:attrNameLst>
+                                      </p:cBhvr>
+                                      <p:to>
+                                        <p:strVal val="visible"/>
+                                      </p:to>
+                                    </p:set>
+                                  </p:childTnLst>
+                                </p:cTn>
+                              </p:par>
+                            </p:childTnLst>
+                          </p:cTn>
+                        </p:par>
+                      </p:childTnLst>
+                    </p:cTn>
+                  </p:par>
+                </p:childTnLst>
+              </p:cTn>
+              <p:prevCondLst>
+                <p:cond evt="onPrev" delay="0">
+                  <p:tgtEl>
+                    <p:sldTgt/>
+                  </p:tgtEl>
+                </p:cond>
+              </p:prevCondLst>
+              <p:nextCondLst>
+                <p:cond evt="onNext" delay="0">
+                  <p:tgtEl>
+                    <p:sldTgt/>
+                  </p:tgtEl>
+                </p:cond>
+              </p:nextCondLst>
+            </p:seq>
+          </p:childTnLst>
+        </p:cTn>
+      </p:par>
+    </p:tnLst>
+  </p:timing>
 </p:sld>
 </file>
 
@@ -8813,10 +10450,18 @@
               <a:defRPr/>
             </a:pPr>
             <a:r>
-              <a:rPr lang="ko-KR" altLang="en-US"/>
+              <a:rPr lang="ko-KR" altLang="en-US">
+                <a:solidFill>
+                  <a:srgbClr val="ff0000"/>
+                </a:solidFill>
+              </a:rPr>
               <a:t>제네릭 타입</a:t>
             </a:r>
-            <a:endParaRPr lang="ko-KR" altLang="en-US"/>
+            <a:endParaRPr lang="ko-KR" altLang="en-US">
+              <a:solidFill>
+                <a:srgbClr val="ff0000"/>
+              </a:solidFill>
+            </a:endParaRPr>
           </a:p>
         </p:txBody>
       </p:sp>
@@ -8840,7 +10485,7 @@
             </a:pPr>
             <a:r>
               <a:rPr lang="ko-KR" altLang="en-US"/>
-              <a:t>소개</a:t>
+              <a:t>필요성</a:t>
             </a:r>
             <a:endParaRPr lang="ko-KR" altLang="en-US"/>
           </a:p>
@@ -8850,7 +10495,127 @@
             </a:pPr>
             <a:r>
               <a:rPr lang="ko-KR" altLang="en-US"/>
-              <a:t>제네릭 타입의 의미</a:t>
+              <a:t>자바는 다양한 종류의 객체를 관리하는 컬렉션이라는 자료구조를 제공</a:t>
+            </a:r>
+            <a:endParaRPr lang="ko-KR" altLang="en-US"/>
+          </a:p>
+          <a:p>
+            <a:pPr lvl="1">
+              <a:defRPr/>
+            </a:pPr>
+            <a:r>
+              <a:rPr lang="ko-KR" altLang="en-US"/>
+              <a:t>초기에는 </a:t>
+            </a:r>
+            <a:r>
+              <a:rPr lang="en-US" altLang="ko-KR"/>
+              <a:t>Object </a:t>
+            </a:r>
+            <a:r>
+              <a:rPr lang="ko-KR" altLang="en-US"/>
+              <a:t>타입</a:t>
+            </a:r>
+            <a:r>
+              <a:rPr lang="en-US" altLang="ko-KR"/>
+              <a:t>(</a:t>
+            </a:r>
+            <a:r>
+              <a:rPr lang="ko-KR" altLang="en-US"/>
+              <a:t>모든 객체의 최상위 부모 클래스</a:t>
+            </a:r>
+            <a:r>
+              <a:rPr lang="en-US" altLang="ko-KR"/>
+              <a:t>)</a:t>
+            </a:r>
+            <a:r>
+              <a:rPr lang="ko-KR" altLang="en-US"/>
+              <a:t>의 컬렉션을 사용</a:t>
+            </a:r>
+            <a:endParaRPr lang="ko-KR" altLang="en-US"/>
+          </a:p>
+          <a:p>
+            <a:pPr lvl="1">
+              <a:defRPr/>
+            </a:pPr>
+            <a:r>
+              <a:rPr lang="en-US" altLang="ko-KR"/>
+              <a:t>Object </a:t>
+            </a:r>
+            <a:r>
+              <a:rPr lang="ko-KR" altLang="en-US"/>
+              <a:t>타입의 컬렉션은 실행하기 전에는 어떤 객체인지</a:t>
+            </a:r>
+            <a:r>
+              <a:rPr lang="en-US" altLang="ko-KR"/>
+              <a:t>?</a:t>
+            </a:r>
+            <a:endParaRPr lang="en-US" altLang="ko-KR"/>
+          </a:p>
+          <a:p>
+            <a:pPr lvl="1">
+              <a:defRPr/>
+            </a:pPr>
+            <a:endParaRPr lang="en-US" altLang="ko-KR"/>
+          </a:p>
+          <a:p>
+            <a:pPr lvl="1">
+              <a:defRPr/>
+            </a:pPr>
+            <a:endParaRPr lang="en-US" altLang="ko-KR"/>
+          </a:p>
+          <a:p>
+            <a:pPr lvl="1">
+              <a:defRPr/>
+            </a:pPr>
+            <a:endParaRPr lang="en-US" altLang="ko-KR"/>
+          </a:p>
+          <a:p>
+            <a:pPr lvl="1">
+              <a:defRPr/>
+            </a:pPr>
+            <a:endParaRPr lang="en-US" altLang="ko-KR"/>
+          </a:p>
+          <a:p>
+            <a:pPr lvl="1">
+              <a:defRPr/>
+            </a:pPr>
+            <a:endParaRPr lang="en-US" altLang="ko-KR"/>
+          </a:p>
+          <a:p>
+            <a:pPr lvl="1">
+              <a:defRPr/>
+            </a:pPr>
+            <a:endParaRPr lang="en-US" altLang="ko-KR"/>
+          </a:p>
+          <a:p>
+            <a:pPr lvl="1">
+              <a:defRPr/>
+            </a:pPr>
+            <a:endParaRPr lang="en-US" altLang="ko-KR"/>
+          </a:p>
+          <a:p>
+            <a:pPr lvl="1">
+              <a:defRPr/>
+            </a:pPr>
+            <a:r>
+              <a:rPr lang="ko-KR" altLang="en-US"/>
+              <a:t>예제</a:t>
+            </a:r>
+            <a:r>
+              <a:rPr lang="en-US" altLang="ko-KR"/>
+              <a:t>(Object </a:t>
+            </a:r>
+            <a:r>
+              <a:rPr lang="ko-KR" altLang="en-US"/>
+              <a:t>타입</a:t>
+            </a:r>
+            <a:r>
+              <a:rPr lang="en-US" altLang="ko-KR"/>
+              <a:t>)</a:t>
+            </a:r>
+            <a:r>
+              <a:rPr lang="ko-KR" altLang="en-US"/>
+              <a:t> </a:t>
             </a:r>
             <a:endParaRPr lang="ko-KR" altLang="en-US"/>
           </a:p>
@@ -8859,128 +10624,63 @@
               <a:defRPr/>
             </a:pPr>
             <a:r>
-              <a:rPr lang="ko-KR" altLang="en-US"/>
-              <a:t>하나의 코드를 다양한 타입의 객체에 재사용하는 객체 지향 기법</a:t>
-            </a:r>
-            <a:endParaRPr lang="ko-KR" altLang="en-US"/>
+              <a:rPr lang="en-US" altLang="ko-KR">
+                <a:hlinkClick r:id="rId3" action="ppaction://hlinkfile"/>
+              </a:rPr>
+              <a:t>sec03/Beverage</a:t>
+            </a:r>
+            <a:r>
+              <a:rPr lang="en-US" altLang="ko-KR"/>
+              <a:t>, </a:t>
+            </a:r>
+            <a:r>
+              <a:rPr lang="en-US" altLang="ko-KR">
+                <a:hlinkClick r:id="rId4" action="ppaction://hlinkfile"/>
+              </a:rPr>
+              <a:t>sec03/Beer</a:t>
+            </a:r>
+            <a:r>
+              <a:rPr lang="en-US" altLang="ko-KR"/>
+              <a:t>, </a:t>
+            </a:r>
+            <a:r>
+              <a:rPr lang="en-US" altLang="ko-KR">
+                <a:hlinkClick r:id="rId5" action="ppaction://hlinkfile"/>
+              </a:rPr>
+              <a:t>sec03/Boricha</a:t>
+            </a:r>
+            <a:r>
+              <a:rPr lang="en-US" altLang="ko-KR"/>
+              <a:t>, </a:t>
+            </a:r>
+            <a:r>
+              <a:rPr lang="en-US" altLang="ko-KR">
+                <a:hlinkClick r:id="rId6" action="ppaction://hlinkfile"/>
+              </a:rPr>
+              <a:t>sec03/object/Cup</a:t>
+            </a:r>
+            <a:endParaRPr lang="en-US" altLang="ko-KR"/>
           </a:p>
           <a:p>
             <a:pPr lvl="2">
               <a:defRPr/>
             </a:pPr>
             <a:r>
-              <a:rPr lang="ko-KR" altLang="en-US"/>
-              <a:t>클래스</a:t>
-            </a:r>
-            <a:r>
-              <a:rPr lang="en-US" altLang="ko-KR"/>
-              <a:t>, </a:t>
-            </a:r>
-            <a:r>
-              <a:rPr lang="ko-KR" altLang="en-US"/>
-              <a:t>인터페이스</a:t>
-            </a:r>
-            <a:r>
-              <a:rPr lang="en-US" altLang="ko-KR"/>
-              <a:t>, </a:t>
-            </a:r>
-            <a:r>
-              <a:rPr lang="ko-KR" altLang="en-US"/>
-              <a:t>메서드를 정의할 때 타입을 변수로 사용</a:t>
-            </a:r>
-            <a:endParaRPr lang="ko-KR" altLang="en-US"/>
-          </a:p>
-          <a:p>
-            <a:pPr lvl="2">
-              <a:defRPr/>
-            </a:pPr>
-            <a:endParaRPr lang="en-US" altLang="ko-KR"/>
-          </a:p>
-          <a:p>
-            <a:pPr lvl="2">
-              <a:defRPr/>
-            </a:pPr>
-            <a:endParaRPr lang="en-US" altLang="ko-KR"/>
-          </a:p>
-          <a:p>
-            <a:pPr lvl="2">
-              <a:defRPr/>
-            </a:pPr>
-            <a:endParaRPr lang="en-US" altLang="ko-KR"/>
-          </a:p>
-          <a:p>
-            <a:pPr lvl="2">
-              <a:defRPr/>
-            </a:pPr>
-            <a:endParaRPr lang="en-US" altLang="ko-KR"/>
-          </a:p>
-          <a:p>
-            <a:pPr lvl="2">
-              <a:defRPr/>
-            </a:pPr>
-            <a:endParaRPr lang="en-US" altLang="ko-KR"/>
-          </a:p>
-          <a:p>
-            <a:pPr lvl="2">
-              <a:defRPr/>
-            </a:pPr>
-            <a:endParaRPr lang="en-US" altLang="ko-KR"/>
-          </a:p>
-          <a:p>
-            <a:pPr lvl="1">
-              <a:defRPr/>
-            </a:pPr>
-            <a:endParaRPr lang="en-US" altLang="ko-KR"/>
-          </a:p>
-          <a:p>
-            <a:pPr lvl="1">
-              <a:defRPr/>
-            </a:pPr>
-            <a:r>
-              <a:rPr lang="ko-KR" altLang="en-US"/>
-              <a:t>제네릭 타입의 장점</a:t>
-            </a:r>
-            <a:endParaRPr lang="ko-KR" altLang="en-US"/>
-          </a:p>
-          <a:p>
-            <a:pPr lvl="2">
-              <a:defRPr/>
-            </a:pPr>
-            <a:r>
-              <a:rPr lang="ko-KR" altLang="en-US"/>
-              <a:t>컴파일할 때 타입을 점검하기 때문에 실행 도중 발생할 오류 사전 방지</a:t>
-            </a:r>
-            <a:endParaRPr lang="ko-KR" altLang="en-US"/>
-          </a:p>
-          <a:p>
-            <a:pPr lvl="3">
-              <a:defRPr/>
-            </a:pPr>
-            <a:r>
-              <a:rPr lang="ko-KR" altLang="en-US"/>
-              <a:t>타입 안정성을 제공</a:t>
-            </a:r>
-            <a:endParaRPr lang="ko-KR" altLang="en-US"/>
-          </a:p>
-          <a:p>
-            <a:pPr lvl="2">
-              <a:defRPr/>
-            </a:pPr>
-            <a:r>
-              <a:rPr lang="ko-KR" altLang="en-US"/>
-              <a:t>불필요한 타입 변환이 없어 프로그램 성능 향상</a:t>
-            </a:r>
-            <a:endParaRPr lang="ko-KR" altLang="en-US"/>
-          </a:p>
-          <a:p>
-            <a:pPr lvl="3">
-              <a:defRPr/>
-            </a:pPr>
-            <a:r>
-              <a:rPr lang="ko-KR" altLang="en-US"/>
-              <a:t>타입체크와 형변환을 생략할 수 있으므로 코드가 간결해짐</a:t>
-            </a:r>
-            <a:endParaRPr lang="ko-KR" altLang="en-US"/>
+              <a:rPr lang="en-US" altLang="ko-KR">
+                <a:hlinkClick r:id="rId7" action="ppaction://hlinkfile"/>
+              </a:rPr>
+              <a:t>sec03/GenericClass1Demo</a:t>
+            </a:r>
+            <a:br>
+              <a:rPr lang="en-US" altLang="ko-KR"/>
+            </a:br>
+            <a:endParaRPr lang="en-US" altLang="ko-KR"/>
+          </a:p>
+          <a:p>
+            <a:pPr lvl="0">
+              <a:defRPr/>
+            </a:pPr>
+            <a:endParaRPr lang="en-US" altLang="ko-KR"/>
           </a:p>
           <a:p>
             <a:pPr lvl="1">
@@ -8999,15 +10699,39 @@
           <p:nvPr/>
         </p:nvPicPr>
         <p:blipFill rotWithShape="1">
-          <a:blip r:embed="rId3"/>
+          <a:blip r:embed="rId8"/>
           <a:stretch>
             <a:fillRect/>
           </a:stretch>
         </p:blipFill>
         <p:spPr>
           <a:xfrm>
-            <a:off x="963130" y="2271866"/>
-            <a:ext cx="7143750" cy="1704975"/>
+            <a:off x="822550" y="2432682"/>
+            <a:ext cx="6744258" cy="1729065"/>
+          </a:xfrm>
+          <a:prstGeom prst="rect">
+            <a:avLst/>
+          </a:prstGeom>
+        </p:spPr>
+      </p:pic>
+      <p:pic>
+        <p:nvPicPr>
+          <p:cNvPr id="5" name="그림 4"/>
+          <p:cNvPicPr>
+            <a:picLocks noChangeAspect="1"/>
+          </p:cNvPicPr>
+          <p:nvPr/>
+        </p:nvPicPr>
+        <p:blipFill rotWithShape="1">
+          <a:blip r:embed="rId9"/>
+          <a:stretch>
+            <a:fillRect/>
+          </a:stretch>
+        </p:blipFill>
+        <p:spPr>
+          <a:xfrm>
+            <a:off x="3337447" y="4952632"/>
+            <a:ext cx="487575" cy="490858"/>
           </a:xfrm>
           <a:prstGeom prst="rect">
             <a:avLst/>
@@ -9027,6 +10751,13 @@
       <p:transition/>
     </mc:Fallback>
   </mc:AlternateContent>
+  <p:timing>
+    <p:tnLst>
+      <p:par>
+        <p:cTn id="1" dur="indefinite" restart="never" nodeType="tmRoot"/>
+      </p:par>
+    </p:tnLst>
+  </p:timing>
 </p:sld>
 </file>
 
@@ -9133,11 +10864,19 @@
             </a:r>
             <a:r>
               <a:rPr lang="ko-KR" altLang="en-US"/>
-              <a:t> 성공</a:t>
-            </a:r>
-            <a:r>
-              <a:rPr lang="en-US" altLang="ko-KR"/>
-              <a:t>,</a:t>
+              <a:t> </a:t>
+            </a:r>
+            <a:r>
+              <a:rPr lang="en-US" altLang="ko-KR"/>
+              <a:t>(</a:t>
+            </a:r>
+            <a:r>
+              <a:rPr lang="ko-KR" altLang="en-US"/>
+              <a:t>성공</a:t>
+            </a:r>
+            <a:r>
+              <a:rPr lang="en-US" altLang="ko-KR"/>
+              <a:t>),</a:t>
             </a:r>
             <a:r>
               <a:rPr lang="ko-KR" altLang="en-US"/>
@@ -9153,15 +10892,15 @@
             </a:r>
             <a:r>
               <a:rPr lang="en-US" altLang="ko-KR"/>
-              <a:t>==&gt;</a:t>
-            </a:r>
-            <a:r>
-              <a:rPr lang="ko-KR" altLang="en-US"/>
-              <a:t> </a:t>
-            </a:r>
-            <a:r>
-              <a:rPr lang="en-US" altLang="ko-KR"/>
-              <a:t>ClassCastException error</a:t>
+              <a:t>(ClassCastException </a:t>
+            </a:r>
+            <a:r>
+              <a:rPr lang="ko-KR" altLang="en-US"/>
+              <a:t>발생</a:t>
+            </a:r>
+            <a:r>
+              <a:rPr lang="en-US" altLang="ko-KR"/>
+              <a:t>)</a:t>
             </a:r>
             <a:endParaRPr lang="en-US" altLang="ko-KR"/>
           </a:p>
@@ -9703,7 +11442,7 @@
 </file>
 
 <file path=ppt/slides/slide20.xml><?xml version="1.0" encoding="utf-8"?>
-<p:sld xmlns:a="http://schemas.openxmlformats.org/drawingml/2006/main" xmlns:r="http://schemas.openxmlformats.org/officeDocument/2006/relationships" xmlns:p="http://schemas.openxmlformats.org/presentationml/2006/main">
+<p:sld xmlns:r="http://schemas.openxmlformats.org/officeDocument/2006/relationships" xmlns:c="http://schemas.openxmlformats.org/drawingml/2006/chart" xmlns:a="http://schemas.openxmlformats.org/drawingml/2006/main" xmlns:dgm="http://schemas.openxmlformats.org/drawingml/2006/diagram" xmlns:dsp="http://schemas.microsoft.com/office/drawing/2008/diagram" xmlns:p="http://schemas.openxmlformats.org/presentationml/2006/main">
   <p:cSld>
     <p:spTree>
       <p:nvGrpSpPr>
@@ -9726,7 +11465,7 @@
             <a:spLocks noGrp="1"/>
           </p:cNvSpPr>
           <p:nvPr>
-            <p:ph type="title"/>
+            <p:ph type="title" idx="0"/>
           </p:nvPr>
         </p:nvSpPr>
         <p:spPr/>
@@ -9734,10 +11473,14 @@
           <a:bodyPr/>
           <a:lstStyle/>
           <a:p>
-            <a:r>
-              <a:rPr lang="ko-KR" altLang="en-US" dirty="0"/>
+            <a:pPr lvl="0">
+              <a:defRPr/>
+            </a:pPr>
+            <a:r>
+              <a:rPr lang="ko-KR" altLang="en-US"/>
               <a:t>제네릭 타입</a:t>
             </a:r>
+            <a:endParaRPr lang="ko-KR" altLang="en-US"/>
           </a:p>
         </p:txBody>
       </p:sp>
@@ -9756,46 +11499,148 @@
           <a:bodyPr/>
           <a:lstStyle/>
           <a:p>
-            <a:r>
-              <a:rPr lang="ko-KR" altLang="en-US" dirty="0"/>
+            <a:pPr lvl="0">
+              <a:defRPr/>
+            </a:pPr>
+            <a:r>
+              <a:rPr lang="ko-KR" altLang="en-US"/>
               <a:t>제네릭 타입 선언</a:t>
             </a:r>
-            <a:endParaRPr lang="en-US" altLang="ko-KR" dirty="0"/>
-          </a:p>
-          <a:p>
-            <a:endParaRPr lang="en-US" altLang="ko-KR" dirty="0"/>
-          </a:p>
-          <a:p>
-            <a:endParaRPr lang="en-US" altLang="ko-KR" dirty="0"/>
-          </a:p>
-          <a:p>
-            <a:endParaRPr lang="en-US" altLang="ko-KR" dirty="0"/>
-          </a:p>
-          <a:p>
-            <a:endParaRPr lang="en-US" altLang="ko-KR" dirty="0"/>
-          </a:p>
-          <a:p>
-            <a:pPr lvl="1"/>
-            <a:r>
-              <a:rPr lang="ko-KR" altLang="en-US" dirty="0"/>
+            <a:endParaRPr lang="ko-KR" altLang="en-US"/>
+          </a:p>
+          <a:p>
+            <a:pPr lvl="0">
+              <a:defRPr/>
+            </a:pPr>
+            <a:endParaRPr lang="en-US" altLang="ko-KR"/>
+          </a:p>
+          <a:p>
+            <a:pPr lvl="0">
+              <a:defRPr/>
+            </a:pPr>
+            <a:endParaRPr lang="en-US" altLang="ko-KR"/>
+          </a:p>
+          <a:p>
+            <a:pPr lvl="0">
+              <a:defRPr/>
+            </a:pPr>
+            <a:endParaRPr lang="en-US" altLang="ko-KR"/>
+          </a:p>
+          <a:p>
+            <a:pPr lvl="0">
+              <a:defRPr/>
+            </a:pPr>
+            <a:endParaRPr lang="en-US" altLang="ko-KR"/>
+          </a:p>
+          <a:p>
+            <a:pPr lvl="1">
+              <a:defRPr/>
+            </a:pPr>
+            <a:r>
+              <a:rPr lang="ko-KR" altLang="en-US"/>
               <a:t>타입 매개변수는 객체를 생성할 때 구체적인 타입으로 대체</a:t>
             </a:r>
-            <a:endParaRPr lang="en-US" altLang="ko-KR" dirty="0"/>
-          </a:p>
-          <a:p>
-            <a:pPr lvl="1"/>
-            <a:endParaRPr lang="en-US" altLang="ko-KR" dirty="0"/>
-          </a:p>
-          <a:p>
-            <a:pPr lvl="1"/>
-            <a:r>
-              <a:rPr lang="ko-KR" altLang="en-US" dirty="0"/>
+            <a:endParaRPr lang="ko-KR" altLang="en-US"/>
+          </a:p>
+          <a:p>
+            <a:pPr lvl="1">
+              <a:defRPr/>
+            </a:pPr>
+            <a:endParaRPr lang="en-US" altLang="ko-KR"/>
+          </a:p>
+          <a:p>
+            <a:pPr lvl="1">
+              <a:defRPr/>
+            </a:pPr>
+            <a:r>
+              <a:rPr lang="ko-KR" altLang="en-US"/>
               <a:t>전형적인 타입 매개변수</a:t>
             </a:r>
-            <a:endParaRPr lang="en-US" altLang="ko-KR" dirty="0"/>
-          </a:p>
-          <a:p>
-            <a:endParaRPr lang="ko-KR" altLang="en-US" dirty="0"/>
+            <a:endParaRPr lang="ko-KR" altLang="en-US"/>
+          </a:p>
+          <a:p>
+            <a:pPr lvl="1">
+              <a:defRPr/>
+            </a:pPr>
+            <a:endParaRPr lang="ko-KR" altLang="en-US"/>
+          </a:p>
+          <a:p>
+            <a:pPr lvl="1">
+              <a:defRPr/>
+            </a:pPr>
+            <a:endParaRPr lang="ko-KR" altLang="en-US"/>
+          </a:p>
+          <a:p>
+            <a:pPr lvl="1">
+              <a:defRPr/>
+            </a:pPr>
+            <a:endParaRPr lang="ko-KR" altLang="en-US"/>
+          </a:p>
+          <a:p>
+            <a:pPr lvl="1">
+              <a:defRPr/>
+            </a:pPr>
+            <a:endParaRPr lang="ko-KR" altLang="en-US"/>
+          </a:p>
+          <a:p>
+            <a:pPr lvl="1">
+              <a:defRPr/>
+            </a:pPr>
+            <a:endParaRPr lang="ko-KR" altLang="en-US"/>
+          </a:p>
+          <a:p>
+            <a:pPr lvl="1">
+              <a:defRPr/>
+            </a:pPr>
+            <a:endParaRPr lang="ko-KR" altLang="en-US"/>
+          </a:p>
+          <a:p>
+            <a:pPr lvl="1">
+              <a:defRPr/>
+            </a:pPr>
+            <a:endParaRPr lang="ko-KR" altLang="en-US"/>
+          </a:p>
+          <a:p>
+            <a:pPr lvl="1">
+              <a:defRPr/>
+            </a:pPr>
+            <a:r>
+              <a:rPr lang="en-US" altLang="ko-KR"/>
+              <a:t>public class </a:t>
+            </a:r>
+            <a:r>
+              <a:rPr lang="ko-KR" altLang="en-US"/>
+              <a:t>클래스명</a:t>
+            </a:r>
+            <a:r>
+              <a:rPr lang="en-US" altLang="ko-KR"/>
+              <a:t>&lt;A,B, ...&gt; ( ... )</a:t>
+            </a:r>
+            <a:endParaRPr lang="en-US" altLang="ko-KR"/>
+          </a:p>
+          <a:p>
+            <a:pPr lvl="1">
+              <a:defRPr/>
+            </a:pPr>
+            <a:r>
+              <a:rPr lang="en-US" altLang="ko-KR"/>
+              <a:t>public interce </a:t>
+            </a:r>
+            <a:r>
+              <a:rPr lang="ko-KR" altLang="en-US"/>
+              <a:t>인터페이스명</a:t>
+            </a:r>
+            <a:r>
+              <a:rPr lang="en-US" altLang="ko-KR"/>
+              <a:t>&lt;A,B, ...&gt; { ... }</a:t>
+            </a:r>
+            <a:endParaRPr lang="en-US" altLang="ko-KR"/>
+          </a:p>
+          <a:p>
+            <a:pPr lvl="0">
+              <a:defRPr/>
+            </a:pPr>
+            <a:endParaRPr lang="ko-KR" altLang="en-US"/>
           </a:p>
         </p:txBody>
       </p:sp>
@@ -9807,14 +11652,8 @@
           </p:cNvPicPr>
           <p:nvPr/>
         </p:nvPicPr>
-        <p:blipFill>
-          <a:blip r:embed="rId2">
-            <a:extLst>
-              <a:ext uri="{28A0092B-C50C-407E-A947-70E740481C1C}">
-                <a14:useLocalDpi xmlns:a14="http://schemas.microsoft.com/office/drawing/2010/main" val="0"/>
-              </a:ext>
-            </a:extLst>
-          </a:blip>
+        <p:blipFill rotWithShape="1">
+          <a:blip r:embed="rId3"/>
           <a:stretch>
             <a:fillRect/>
           </a:stretch>
@@ -9837,14 +11676,8 @@
           </p:cNvPicPr>
           <p:nvPr/>
         </p:nvPicPr>
-        <p:blipFill>
-          <a:blip r:embed="rId3">
-            <a:extLst>
-              <a:ext uri="{28A0092B-C50C-407E-A947-70E740481C1C}">
-                <a14:useLocalDpi xmlns:a14="http://schemas.microsoft.com/office/drawing/2010/main" val="0"/>
-              </a:ext>
-            </a:extLst>
-          </a:blip>
+        <p:blipFill rotWithShape="1">
+          <a:blip r:embed="rId4"/>
           <a:stretch>
             <a:fillRect/>
           </a:stretch>
@@ -9860,20 +11693,23 @@
         </p:spPr>
       </p:pic>
     </p:spTree>
-    <p:extLst>
-      <p:ext uri="{BB962C8B-B14F-4D97-AF65-F5344CB8AC3E}">
-        <p14:creationId xmlns:p14="http://schemas.microsoft.com/office/powerpoint/2010/main" val="2058283021"/>
-      </p:ext>
-    </p:extLst>
   </p:cSld>
   <p:clrMapOvr>
     <a:masterClrMapping/>
   </p:clrMapOvr>
+  <mc:AlternateContent xmlns:mc="http://schemas.openxmlformats.org/markup-compatibility/2006">
+    <mc:Choice xmlns:p14="http://schemas.microsoft.com/office/powerpoint/2010/main" Requires="p14">
+      <p:transition xmlns:mc="http://schemas.openxmlformats.org/markup-compatibility/2006" xmlns:p14="http://schemas.microsoft.com/office/powerpoint/2010/main" mc:Ignorable="p14" p14:dur="500"/>
+    </mc:Choice>
+    <mc:Fallback>
+      <p:transition/>
+    </mc:Fallback>
+  </mc:AlternateContent>
 </p:sld>
 </file>
 
 <file path=ppt/slides/slide21.xml><?xml version="1.0" encoding="utf-8"?>
-<p:sld xmlns:a="http://schemas.openxmlformats.org/drawingml/2006/main" xmlns:r="http://schemas.openxmlformats.org/officeDocument/2006/relationships" xmlns:p="http://schemas.openxmlformats.org/presentationml/2006/main">
+<p:sld xmlns:r="http://schemas.openxmlformats.org/officeDocument/2006/relationships" xmlns:c="http://schemas.openxmlformats.org/drawingml/2006/chart" xmlns:a="http://schemas.openxmlformats.org/drawingml/2006/main" xmlns:dgm="http://schemas.openxmlformats.org/drawingml/2006/diagram" xmlns:dsp="http://schemas.microsoft.com/office/drawing/2008/diagram" xmlns:p="http://schemas.openxmlformats.org/presentationml/2006/main">
   <p:cSld>
     <p:spTree>
       <p:nvGrpSpPr>
@@ -9896,7 +11732,7 @@
             <a:spLocks noGrp="1"/>
           </p:cNvSpPr>
           <p:nvPr>
-            <p:ph type="title"/>
+            <p:ph type="title" idx="0"/>
           </p:nvPr>
         </p:nvSpPr>
         <p:spPr/>
@@ -9904,10 +11740,14 @@
           <a:bodyPr/>
           <a:lstStyle/>
           <a:p>
-            <a:r>
-              <a:rPr lang="ko-KR" altLang="en-US" dirty="0"/>
+            <a:pPr lvl="0">
+              <a:defRPr/>
+            </a:pPr>
+            <a:r>
+              <a:rPr lang="ko-KR" altLang="en-US"/>
               <a:t>제네릭 타입</a:t>
             </a:r>
+            <a:endParaRPr lang="ko-KR" altLang="en-US"/>
           </a:p>
         </p:txBody>
       </p:sp>
@@ -9926,80 +11766,84 @@
           <a:bodyPr/>
           <a:lstStyle/>
           <a:p>
-            <a:r>
-              <a:rPr lang="ko-KR" altLang="en-US" dirty="0"/>
+            <a:pPr lvl="0">
+              <a:defRPr/>
+            </a:pPr>
+            <a:r>
+              <a:rPr lang="ko-KR" altLang="en-US"/>
               <a:t>제네릭 객체 생성</a:t>
             </a:r>
-            <a:endParaRPr lang="en-US" altLang="ko-KR" dirty="0"/>
-          </a:p>
-          <a:p>
-            <a:endParaRPr lang="en-US" altLang="ko-KR" dirty="0"/>
-          </a:p>
-          <a:p>
-            <a:endParaRPr lang="en-US" altLang="ko-KR" dirty="0"/>
-          </a:p>
-          <a:p>
-            <a:endParaRPr lang="en-US" altLang="ko-KR" dirty="0"/>
-          </a:p>
-          <a:p>
-            <a:pPr lvl="1"/>
-            <a:r>
-              <a:rPr lang="en-US" altLang="ko-KR" dirty="0"/>
+            <a:endParaRPr lang="ko-KR" altLang="en-US"/>
+          </a:p>
+          <a:p>
+            <a:pPr lvl="0">
+              <a:defRPr/>
+            </a:pPr>
+            <a:endParaRPr lang="en-US" altLang="ko-KR"/>
+          </a:p>
+          <a:p>
+            <a:pPr lvl="0">
+              <a:defRPr/>
+            </a:pPr>
+            <a:endParaRPr lang="en-US" altLang="ko-KR"/>
+          </a:p>
+          <a:p>
+            <a:pPr lvl="0">
+              <a:defRPr/>
+            </a:pPr>
+            <a:endParaRPr lang="en-US" altLang="ko-KR"/>
+          </a:p>
+          <a:p>
+            <a:pPr lvl="1">
+              <a:defRPr/>
+            </a:pPr>
+            <a:r>
+              <a:rPr lang="en-US" altLang="ko-KR"/>
               <a:t>&lt;</a:t>
             </a:r>
             <a:r>
-              <a:rPr lang="ko-KR" altLang="en-US" dirty="0" err="1"/>
+              <a:rPr lang="ko-KR" altLang="en-US"/>
               <a:t>적용할타입</a:t>
             </a:r>
             <a:r>
-              <a:rPr lang="en-US" altLang="ko-KR" dirty="0"/>
+              <a:rPr lang="en-US" altLang="ko-KR"/>
               <a:t>&gt;</a:t>
             </a:r>
             <a:r>
-              <a:rPr lang="ko-KR" altLang="en-US" dirty="0"/>
+              <a:rPr lang="ko-KR" altLang="en-US"/>
               <a:t>에서 적용할 타입을 생략할 경우 </a:t>
             </a:r>
             <a:r>
-              <a:rPr lang="en-US" altLang="ko-KR" dirty="0"/>
+              <a:rPr lang="en-US" altLang="ko-KR"/>
               <a:t>&lt;&gt;</a:t>
             </a:r>
             <a:r>
-              <a:rPr lang="ko-KR" altLang="en-US" dirty="0"/>
-              <a:t>를 </a:t>
-            </a:r>
-            <a:r>
-              <a:rPr lang="ko-KR" altLang="en-US" dirty="0" err="1"/>
-              <a:t>다이어몬드</a:t>
-            </a:r>
-            <a:r>
-              <a:rPr lang="ko-KR" altLang="en-US" dirty="0"/>
-              <a:t> </a:t>
-            </a:r>
-            <a:r>
-              <a:rPr lang="ko-KR" altLang="en-US" dirty="0" err="1"/>
-              <a:t>연산자라고</a:t>
-            </a:r>
-            <a:r>
-              <a:rPr lang="ko-KR" altLang="en-US" dirty="0"/>
-              <a:t> 함</a:t>
-            </a:r>
-            <a:endParaRPr lang="en-US" altLang="ko-KR" dirty="0"/>
-          </a:p>
-          <a:p>
-            <a:pPr lvl="1"/>
-            <a:endParaRPr lang="en-US" altLang="ko-KR" dirty="0"/>
-          </a:p>
-          <a:p>
-            <a:pPr lvl="1"/>
-            <a:r>
-              <a:rPr lang="ko-KR" altLang="en-US" dirty="0"/>
+              <a:rPr lang="ko-KR" altLang="en-US"/>
+              <a:t>를 다이어몬드 연산자라고 함</a:t>
+            </a:r>
+            <a:endParaRPr lang="ko-KR" altLang="en-US"/>
+          </a:p>
+          <a:p>
+            <a:pPr lvl="1">
+              <a:defRPr/>
+            </a:pPr>
+            <a:endParaRPr lang="en-US" altLang="ko-KR"/>
+          </a:p>
+          <a:p>
+            <a:pPr lvl="1">
+              <a:defRPr/>
+            </a:pPr>
+            <a:r>
+              <a:rPr lang="ko-KR" altLang="en-US"/>
               <a:t>제네릭 클래스의 적용</a:t>
             </a:r>
-            <a:endParaRPr lang="en-US" altLang="ko-KR" dirty="0"/>
-          </a:p>
-          <a:p>
-            <a:pPr lvl="1"/>
-            <a:endParaRPr lang="ko-KR" altLang="en-US" dirty="0"/>
+            <a:endParaRPr lang="ko-KR" altLang="en-US"/>
+          </a:p>
+          <a:p>
+            <a:pPr lvl="1">
+              <a:defRPr/>
+            </a:pPr>
+            <a:endParaRPr lang="ko-KR" altLang="en-US"/>
           </a:p>
         </p:txBody>
       </p:sp>
@@ -10011,14 +11855,8 @@
           </p:cNvPicPr>
           <p:nvPr/>
         </p:nvPicPr>
-        <p:blipFill>
-          <a:blip r:embed="rId2">
-            <a:extLst>
-              <a:ext uri="{28A0092B-C50C-407E-A947-70E740481C1C}">
-                <a14:useLocalDpi xmlns:a14="http://schemas.microsoft.com/office/drawing/2010/main" val="0"/>
-              </a:ext>
-            </a:extLst>
-          </a:blip>
+        <p:blipFill rotWithShape="1">
+          <a:blip r:embed="rId3"/>
           <a:stretch>
             <a:fillRect/>
           </a:stretch>
@@ -10041,14 +11879,8 @@
           </p:cNvPicPr>
           <p:nvPr/>
         </p:nvPicPr>
-        <p:blipFill>
-          <a:blip r:embed="rId3">
-            <a:extLst>
-              <a:ext uri="{28A0092B-C50C-407E-A947-70E740481C1C}">
-                <a14:useLocalDpi xmlns:a14="http://schemas.microsoft.com/office/drawing/2010/main" val="0"/>
-              </a:ext>
-            </a:extLst>
-          </a:blip>
+        <p:blipFill rotWithShape="1">
+          <a:blip r:embed="rId4"/>
           <a:stretch>
             <a:fillRect/>
           </a:stretch>
@@ -10064,20 +11896,23 @@
         </p:spPr>
       </p:pic>
     </p:spTree>
-    <p:extLst>
-      <p:ext uri="{BB962C8B-B14F-4D97-AF65-F5344CB8AC3E}">
-        <p14:creationId xmlns:p14="http://schemas.microsoft.com/office/powerpoint/2010/main" val="1823314051"/>
-      </p:ext>
-    </p:extLst>
   </p:cSld>
   <p:clrMapOvr>
     <a:masterClrMapping/>
   </p:clrMapOvr>
+  <mc:AlternateContent xmlns:mc="http://schemas.openxmlformats.org/markup-compatibility/2006">
+    <mc:Choice xmlns:p14="http://schemas.microsoft.com/office/powerpoint/2010/main" Requires="p14">
+      <p:transition xmlns:mc="http://schemas.openxmlformats.org/markup-compatibility/2006" xmlns:p14="http://schemas.microsoft.com/office/powerpoint/2010/main" mc:Ignorable="p14" p14:dur="500"/>
+    </mc:Choice>
+    <mc:Fallback>
+      <p:transition/>
+    </mc:Fallback>
+  </mc:AlternateContent>
 </p:sld>
 </file>
 
 <file path=ppt/slides/slide22.xml><?xml version="1.0" encoding="utf-8"?>
-<p:sld xmlns:a="http://schemas.openxmlformats.org/drawingml/2006/main" xmlns:r="http://schemas.openxmlformats.org/officeDocument/2006/relationships" xmlns:p="http://schemas.openxmlformats.org/presentationml/2006/main">
+<p:sld xmlns:r="http://schemas.openxmlformats.org/officeDocument/2006/relationships" xmlns:c="http://schemas.openxmlformats.org/drawingml/2006/chart" xmlns:a="http://schemas.openxmlformats.org/drawingml/2006/main" xmlns:dgm="http://schemas.openxmlformats.org/drawingml/2006/diagram" xmlns:dsp="http://schemas.microsoft.com/office/drawing/2008/diagram" xmlns:p="http://schemas.openxmlformats.org/presentationml/2006/main">
   <p:cSld>
     <p:spTree>
       <p:nvGrpSpPr>
@@ -10100,7 +11935,7 @@
             <a:spLocks noGrp="1"/>
           </p:cNvSpPr>
           <p:nvPr>
-            <p:ph type="title"/>
+            <p:ph type="title" idx="0"/>
           </p:nvPr>
         </p:nvSpPr>
         <p:spPr/>
@@ -10108,10 +11943,14 @@
           <a:bodyPr/>
           <a:lstStyle/>
           <a:p>
-            <a:r>
-              <a:rPr lang="ko-KR" altLang="en-US" dirty="0"/>
+            <a:pPr lvl="0">
+              <a:defRPr/>
+            </a:pPr>
+            <a:r>
+              <a:rPr lang="ko-KR" altLang="en-US"/>
               <a:t>제네릭 타입</a:t>
             </a:r>
+            <a:endParaRPr lang="ko-KR" altLang="en-US"/>
           </a:p>
         </p:txBody>
       </p:sp>
@@ -10130,173 +11969,204 @@
           <a:bodyPr/>
           <a:lstStyle/>
           <a:p>
-            <a:r>
-              <a:rPr lang="ko-KR" altLang="en-US" dirty="0"/>
+            <a:pPr lvl="0">
+              <a:defRPr/>
+            </a:pPr>
+            <a:r>
+              <a:rPr lang="ko-KR" altLang="en-US"/>
               <a:t>제네릭 타입 응용</a:t>
             </a:r>
-            <a:endParaRPr lang="en-US" altLang="ko-KR" dirty="0"/>
-          </a:p>
-          <a:p>
-            <a:pPr lvl="1"/>
-            <a:r>
-              <a:rPr lang="ko-KR" altLang="en-US" dirty="0"/>
+            <a:endParaRPr lang="ko-KR" altLang="en-US"/>
+          </a:p>
+          <a:p>
+            <a:pPr lvl="1">
+              <a:defRPr/>
+            </a:pPr>
+            <a:r>
+              <a:rPr lang="ko-KR" altLang="en-US"/>
               <a:t>예제</a:t>
             </a:r>
             <a:r>
-              <a:rPr lang="en-US" altLang="ko-KR" dirty="0"/>
+              <a:rPr lang="en-US" altLang="ko-KR"/>
               <a:t> : </a:t>
             </a:r>
             <a:r>
-              <a:rPr lang="en-US" altLang="ko-KR" dirty="0">
-                <a:hlinkClick r:id="rId2" action="ppaction://hlinkfile"/>
+              <a:rPr lang="en-US" altLang="ko-KR">
+                <a:hlinkClick r:id="rId3" action="ppaction://hlinkfile"/>
               </a:rPr>
               <a:t>sec03/generic/Cup</a:t>
             </a:r>
             <a:r>
-              <a:rPr lang="en-US" altLang="ko-KR" dirty="0"/>
+              <a:rPr lang="en-US" altLang="ko-KR"/>
               <a:t>, </a:t>
             </a:r>
             <a:r>
-              <a:rPr lang="en-US" altLang="ko-KR" dirty="0">
-                <a:hlinkClick r:id="rId3" action="ppaction://hlinkfile"/>
+              <a:rPr lang="en-US" altLang="ko-KR">
+                <a:hlinkClick r:id="rId4" action="ppaction://hlinkfile"/>
               </a:rPr>
               <a:t>sec03/GenericClass2Demo</a:t>
             </a:r>
-            <a:endParaRPr lang="en-US" altLang="ko-KR" dirty="0"/>
-          </a:p>
-          <a:p>
-            <a:pPr lvl="1"/>
-            <a:endParaRPr lang="en-US" altLang="ko-KR" dirty="0"/>
-          </a:p>
-          <a:p>
-            <a:pPr lvl="1"/>
-            <a:r>
-              <a:rPr lang="ko-KR" altLang="en-US" dirty="0"/>
+            <a:endParaRPr lang="en-US" altLang="ko-KR"/>
+          </a:p>
+          <a:p>
+            <a:pPr lvl="1">
+              <a:defRPr/>
+            </a:pPr>
+            <a:endParaRPr lang="en-US" altLang="ko-KR"/>
+          </a:p>
+          <a:p>
+            <a:pPr lvl="1">
+              <a:defRPr/>
+            </a:pPr>
+            <a:r>
+              <a:rPr lang="ko-KR" altLang="en-US"/>
               <a:t>예제</a:t>
             </a:r>
             <a:r>
-              <a:rPr lang="en-US" altLang="ko-KR" dirty="0"/>
+              <a:rPr lang="en-US" altLang="ko-KR"/>
               <a:t>(2</a:t>
             </a:r>
             <a:r>
-              <a:rPr lang="ko-KR" altLang="en-US" dirty="0"/>
+              <a:rPr lang="ko-KR" altLang="en-US"/>
               <a:t>개 이상의 타입 매개변수</a:t>
             </a:r>
             <a:r>
-              <a:rPr lang="en-US" altLang="ko-KR" dirty="0"/>
+              <a:rPr lang="en-US" altLang="ko-KR"/>
               <a:t>)</a:t>
             </a:r>
-          </a:p>
-          <a:p>
-            <a:pPr lvl="2"/>
-            <a:r>
-              <a:rPr lang="en-US" altLang="ko-KR" dirty="0">
-                <a:hlinkClick r:id="rId4" action="ppaction://hlinkfile"/>
+            <a:endParaRPr lang="en-US" altLang="ko-KR"/>
+          </a:p>
+          <a:p>
+            <a:pPr lvl="2">
+              <a:defRPr/>
+            </a:pPr>
+            <a:r>
+              <a:rPr lang="en-US" altLang="ko-KR">
+                <a:hlinkClick r:id="rId5" action="ppaction://hlinkfile"/>
               </a:rPr>
               <a:t>sec03/Entry.java</a:t>
             </a:r>
-            <a:endParaRPr lang="en-US" altLang="ko-KR" dirty="0"/>
-          </a:p>
-          <a:p>
-            <a:pPr lvl="2"/>
-            <a:r>
-              <a:rPr lang="en-US" altLang="ko-KR" dirty="0">
-                <a:hlinkClick r:id="rId5" action="ppaction://hlinkfile"/>
-              </a:rPr>
-              <a:t>sec03/</a:t>
-            </a:r>
-            <a:r>
-              <a:rPr lang="en-US" altLang="ko-KR" dirty="0" err="1">
-                <a:hlinkClick r:id="rId5" action="ppaction://hlinkfile"/>
-              </a:rPr>
-              <a:t>EntryDemo</a:t>
-            </a:r>
-            <a:endParaRPr lang="en-US" altLang="ko-KR" dirty="0"/>
-          </a:p>
-          <a:p>
-            <a:endParaRPr lang="en-US" altLang="ko-KR" dirty="0"/>
-          </a:p>
-          <a:p>
-            <a:endParaRPr lang="en-US" altLang="ko-KR" dirty="0"/>
-          </a:p>
-          <a:p>
-            <a:endParaRPr lang="en-US" altLang="ko-KR" dirty="0"/>
-          </a:p>
-          <a:p>
-            <a:r>
-              <a:rPr lang="en-US" altLang="ko-KR" dirty="0"/>
-              <a:t>Raw </a:t>
-            </a:r>
-            <a:r>
-              <a:rPr lang="ko-KR" altLang="en-US" dirty="0"/>
-              <a:t>타입의 필요성 및 의미</a:t>
-            </a:r>
-            <a:endParaRPr lang="en-US" altLang="ko-KR" dirty="0"/>
-          </a:p>
-          <a:p>
-            <a:pPr lvl="1"/>
-            <a:r>
-              <a:rPr lang="ko-KR" altLang="en-US" dirty="0"/>
-              <a:t>이전 버전과 호환성을 유지하려고 </a:t>
-            </a:r>
-            <a:r>
-              <a:rPr lang="en-US" altLang="ko-KR" dirty="0"/>
-              <a:t>Raw </a:t>
-            </a:r>
-            <a:r>
-              <a:rPr lang="ko-KR" altLang="en-US" dirty="0"/>
-              <a:t>타입을 지원</a:t>
-            </a:r>
-            <a:endParaRPr lang="en-US" altLang="ko-KR" dirty="0"/>
-          </a:p>
-          <a:p>
-            <a:pPr lvl="1"/>
-            <a:r>
-              <a:rPr lang="ko-KR" altLang="en-US" dirty="0"/>
-              <a:t>제네릭 클래스를 </a:t>
-            </a:r>
-            <a:r>
-              <a:rPr lang="en-US" altLang="ko-KR" dirty="0"/>
-              <a:t>Raw </a:t>
-            </a:r>
-            <a:r>
-              <a:rPr lang="ko-KR" altLang="en-US" dirty="0"/>
-              <a:t>타입으로 사용하면 타입 매개변수를 쓰지 않기 때문에 </a:t>
-            </a:r>
-            <a:r>
-              <a:rPr lang="en-US" altLang="ko-KR" dirty="0"/>
-              <a:t>Object </a:t>
-            </a:r>
-            <a:r>
-              <a:rPr lang="ko-KR" altLang="en-US" dirty="0"/>
-              <a:t>타입이 적용</a:t>
-            </a:r>
-            <a:endParaRPr lang="en-US" altLang="ko-KR" dirty="0"/>
-          </a:p>
-          <a:p>
-            <a:pPr lvl="1"/>
-            <a:r>
-              <a:rPr lang="ko-KR" altLang="en-US" dirty="0"/>
-              <a:t>예제</a:t>
-            </a:r>
-            <a:r>
-              <a:rPr lang="en-US" altLang="ko-KR" dirty="0"/>
-              <a:t> : </a:t>
-            </a:r>
-            <a:r>
-              <a:rPr lang="en-US" altLang="ko-KR" dirty="0">
+            <a:endParaRPr lang="en-US" altLang="ko-KR"/>
+          </a:p>
+          <a:p>
+            <a:pPr lvl="2">
+              <a:defRPr/>
+            </a:pPr>
+            <a:r>
+              <a:rPr lang="en-US" altLang="ko-KR">
                 <a:hlinkClick r:id="rId6" action="ppaction://hlinkfile"/>
               </a:rPr>
+              <a:t>sec03/EntryDemo</a:t>
+            </a:r>
+            <a:endParaRPr lang="en-US" altLang="ko-KR"/>
+          </a:p>
+          <a:p>
+            <a:pPr lvl="0">
+              <a:defRPr/>
+            </a:pPr>
+            <a:endParaRPr lang="en-US" altLang="ko-KR"/>
+          </a:p>
+          <a:p>
+            <a:pPr lvl="0">
+              <a:defRPr/>
+            </a:pPr>
+            <a:endParaRPr lang="en-US" altLang="ko-KR"/>
+          </a:p>
+          <a:p>
+            <a:pPr lvl="0">
+              <a:defRPr/>
+            </a:pPr>
+            <a:endParaRPr lang="en-US" altLang="ko-KR"/>
+          </a:p>
+          <a:p>
+            <a:pPr lvl="0">
+              <a:defRPr/>
+            </a:pPr>
+            <a:r>
+              <a:rPr lang="en-US" altLang="ko-KR"/>
+              <a:t>Raw </a:t>
+            </a:r>
+            <a:r>
+              <a:rPr lang="ko-KR" altLang="en-US"/>
+              <a:t>타입의 필요성 및 의미</a:t>
+            </a:r>
+            <a:endParaRPr lang="ko-KR" altLang="en-US"/>
+          </a:p>
+          <a:p>
+            <a:pPr lvl="1">
+              <a:defRPr/>
+            </a:pPr>
+            <a:r>
+              <a:rPr lang="ko-KR" altLang="en-US"/>
+              <a:t>이전 버전과 호환성을 유지하려고 </a:t>
+            </a:r>
+            <a:r>
+              <a:rPr lang="en-US" altLang="ko-KR"/>
+              <a:t>Raw </a:t>
+            </a:r>
+            <a:r>
+              <a:rPr lang="ko-KR" altLang="en-US"/>
+              <a:t>타입을 지원</a:t>
+            </a:r>
+            <a:endParaRPr lang="ko-KR" altLang="en-US"/>
+          </a:p>
+          <a:p>
+            <a:pPr lvl="1">
+              <a:defRPr/>
+            </a:pPr>
+            <a:r>
+              <a:rPr lang="ko-KR" altLang="en-US"/>
+              <a:t>제네릭 클래스를 </a:t>
+            </a:r>
+            <a:r>
+              <a:rPr lang="en-US" altLang="ko-KR"/>
+              <a:t>Raw </a:t>
+            </a:r>
+            <a:r>
+              <a:rPr lang="ko-KR" altLang="en-US"/>
+              <a:t>타입으로 사용하면 타입 매개변수를 쓰지 않기 때문에 </a:t>
+            </a:r>
+            <a:r>
+              <a:rPr lang="en-US" altLang="ko-KR"/>
+              <a:t>Object </a:t>
+            </a:r>
+            <a:r>
+              <a:rPr lang="ko-KR" altLang="en-US"/>
+              <a:t>타입이 적용</a:t>
+            </a:r>
+            <a:endParaRPr lang="ko-KR" altLang="en-US"/>
+          </a:p>
+          <a:p>
+            <a:pPr lvl="1">
+              <a:defRPr/>
+            </a:pPr>
+            <a:r>
+              <a:rPr lang="ko-KR" altLang="en-US"/>
+              <a:t>예제</a:t>
+            </a:r>
+            <a:r>
+              <a:rPr lang="en-US" altLang="ko-KR"/>
+              <a:t> : </a:t>
+            </a:r>
+            <a:r>
+              <a:rPr lang="en-US" altLang="ko-KR">
+                <a:hlinkClick r:id="rId7" action="ppaction://hlinkfile"/>
+              </a:rPr>
               <a:t>sec03/GenericClass3Demo</a:t>
             </a:r>
-            <a:endParaRPr lang="en-US" altLang="ko-KR" dirty="0"/>
-          </a:p>
-          <a:p>
-            <a:pPr lvl="1"/>
-            <a:endParaRPr lang="en-US" altLang="ko-KR" dirty="0"/>
-          </a:p>
-          <a:p>
-            <a:endParaRPr lang="ko-KR" altLang="en-US" dirty="0"/>
+            <a:endParaRPr lang="en-US" altLang="ko-KR"/>
+          </a:p>
+          <a:p>
+            <a:pPr lvl="1">
+              <a:defRPr/>
+            </a:pPr>
+            <a:endParaRPr lang="en-US" altLang="ko-KR"/>
+          </a:p>
+          <a:p>
+            <a:pPr lvl="0">
+              <a:defRPr/>
+            </a:pPr>
+            <a:endParaRPr lang="ko-KR" altLang="en-US"/>
           </a:p>
         </p:txBody>
       </p:sp>
@@ -10308,14 +12178,8 @@
           </p:cNvPicPr>
           <p:nvPr/>
         </p:nvPicPr>
-        <p:blipFill>
-          <a:blip r:embed="rId7" cstate="print">
-            <a:extLst>
-              <a:ext uri="{28A0092B-C50C-407E-A947-70E740481C1C}">
-                <a14:useLocalDpi xmlns:a14="http://schemas.microsoft.com/office/drawing/2010/main" val="0"/>
-              </a:ext>
-            </a:extLst>
-          </a:blip>
+        <p:blipFill rotWithShape="1">
+          <a:blip r:embed="rId8"/>
           <a:stretch>
             <a:fillRect/>
           </a:stretch>
@@ -10338,14 +12202,8 @@
           </p:cNvPicPr>
           <p:nvPr/>
         </p:nvPicPr>
-        <p:blipFill>
-          <a:blip r:embed="rId8">
-            <a:extLst>
-              <a:ext uri="{28A0092B-C50C-407E-A947-70E740481C1C}">
-                <a14:useLocalDpi xmlns:a14="http://schemas.microsoft.com/office/drawing/2010/main" val="0"/>
-              </a:ext>
-            </a:extLst>
-          </a:blip>
+        <p:blipFill rotWithShape="1">
+          <a:blip r:embed="rId9"/>
           <a:stretch>
             <a:fillRect/>
           </a:stretch>
@@ -10361,15 +12219,18 @@
         </p:spPr>
       </p:pic>
     </p:spTree>
-    <p:extLst>
-      <p:ext uri="{BB962C8B-B14F-4D97-AF65-F5344CB8AC3E}">
-        <p14:creationId xmlns:p14="http://schemas.microsoft.com/office/powerpoint/2010/main" val="1094406587"/>
-      </p:ext>
-    </p:extLst>
   </p:cSld>
   <p:clrMapOvr>
     <a:masterClrMapping/>
   </p:clrMapOvr>
+  <mc:AlternateContent xmlns:mc="http://schemas.openxmlformats.org/markup-compatibility/2006">
+    <mc:Choice xmlns:p14="http://schemas.microsoft.com/office/powerpoint/2010/main" Requires="p14">
+      <p:transition xmlns:mc="http://schemas.openxmlformats.org/markup-compatibility/2006" xmlns:p14="http://schemas.microsoft.com/office/powerpoint/2010/main" mc:Ignorable="p14" p14:dur="500"/>
+    </mc:Choice>
+    <mc:Fallback>
+      <p:transition/>
+    </mc:Fallback>
+  </mc:AlternateContent>
 </p:sld>
 </file>
 
@@ -10572,7 +12433,7 @@
 </file>
 
 <file path=ppt/slides/slide24.xml><?xml version="1.0" encoding="utf-8"?>
-<p:sld xmlns:a="http://schemas.openxmlformats.org/drawingml/2006/main" xmlns:r="http://schemas.openxmlformats.org/officeDocument/2006/relationships" xmlns:p="http://schemas.openxmlformats.org/presentationml/2006/main">
+<p:sld xmlns:r="http://schemas.openxmlformats.org/officeDocument/2006/relationships" xmlns:c="http://schemas.openxmlformats.org/drawingml/2006/chart" xmlns:a="http://schemas.openxmlformats.org/drawingml/2006/main" xmlns:dgm="http://schemas.openxmlformats.org/drawingml/2006/diagram" xmlns:dsp="http://schemas.microsoft.com/office/drawing/2008/diagram" xmlns:p="http://schemas.openxmlformats.org/presentationml/2006/main">
   <p:cSld>
     <p:spTree>
       <p:nvGrpSpPr>
@@ -10595,7 +12456,7 @@
             <a:spLocks noGrp="1"/>
           </p:cNvSpPr>
           <p:nvPr>
-            <p:ph type="title"/>
+            <p:ph type="title" idx="0"/>
           </p:nvPr>
         </p:nvSpPr>
         <p:spPr/>
@@ -10603,13 +12464,16 @@
           <a:bodyPr/>
           <a:lstStyle/>
           <a:p>
-            <a:r>
-              <a:rPr lang="ko-KR" altLang="en-US" dirty="0"/>
+            <a:pPr lvl="0">
+              <a:defRPr/>
+            </a:pPr>
+            <a:r>
+              <a:rPr lang="ko-KR" altLang="en-US"/>
               <a:t>제네릭 상속 및 타입 한정</a:t>
             </a:r>
-            <a:endParaRPr lang="ko-KR" altLang="en-US" dirty="0">
+            <a:endParaRPr lang="ko-KR" altLang="en-US">
               <a:solidFill>
-                <a:srgbClr val="FF0000"/>
+                <a:srgbClr val="ff0000"/>
               </a:solidFill>
             </a:endParaRPr>
           </a:p>
@@ -10630,135 +12494,138 @@
           <a:bodyPr/>
           <a:lstStyle/>
           <a:p>
-            <a:r>
-              <a:rPr lang="ko-KR" altLang="en-US" dirty="0"/>
+            <a:pPr lvl="0">
+              <a:defRPr/>
+            </a:pPr>
+            <a:r>
+              <a:rPr lang="ko-KR" altLang="en-US"/>
               <a:t>제네릭의 제약</a:t>
             </a:r>
-            <a:endParaRPr lang="en-US" altLang="ko-KR" dirty="0"/>
-          </a:p>
-          <a:p>
-            <a:pPr lvl="1"/>
-            <a:r>
-              <a:rPr lang="ko-KR" altLang="en-US" dirty="0"/>
+            <a:endParaRPr lang="ko-KR" altLang="en-US"/>
+          </a:p>
+          <a:p>
+            <a:pPr lvl="1">
+              <a:defRPr/>
+            </a:pPr>
+            <a:r>
+              <a:rPr lang="ko-KR" altLang="en-US"/>
               <a:t>기초 타입을 제네릭 인수로 사용 불가</a:t>
             </a:r>
-            <a:endParaRPr lang="en-US" altLang="ko-KR" dirty="0"/>
-          </a:p>
-          <a:p>
-            <a:pPr lvl="1"/>
-            <a:r>
-              <a:rPr lang="ko-KR" altLang="en-US" dirty="0"/>
+            <a:endParaRPr lang="ko-KR" altLang="en-US"/>
+          </a:p>
+          <a:p>
+            <a:pPr lvl="1">
+              <a:defRPr/>
+            </a:pPr>
+            <a:r>
+              <a:rPr lang="ko-KR" altLang="en-US"/>
               <a:t>정적 제네릭 타입 금지</a:t>
             </a:r>
-            <a:endParaRPr lang="en-US" altLang="ko-KR" dirty="0"/>
-          </a:p>
-          <a:p>
-            <a:pPr lvl="1"/>
-            <a:r>
-              <a:rPr lang="ko-KR" altLang="en-US" dirty="0"/>
-              <a:t>제네릭 타입의 </a:t>
-            </a:r>
-            <a:r>
-              <a:rPr lang="ko-KR" altLang="en-US" dirty="0" err="1"/>
-              <a:t>인스턴스화</a:t>
-            </a:r>
-            <a:r>
-              <a:rPr lang="ko-KR" altLang="en-US" dirty="0"/>
-              <a:t> 금지</a:t>
-            </a:r>
-            <a:r>
-              <a:rPr lang="en-US" altLang="ko-KR" dirty="0"/>
+            <a:endParaRPr lang="ko-KR" altLang="en-US"/>
+          </a:p>
+          <a:p>
+            <a:pPr lvl="1">
+              <a:defRPr/>
+            </a:pPr>
+            <a:r>
+              <a:rPr lang="ko-KR" altLang="en-US"/>
+              <a:t>제네릭 타입의 인스턴스화 금지</a:t>
+            </a:r>
+            <a:r>
+              <a:rPr lang="en-US" altLang="ko-KR"/>
               <a:t>. </a:t>
             </a:r>
             <a:r>
-              <a:rPr lang="ko-KR" altLang="en-US" dirty="0"/>
+              <a:rPr lang="ko-KR" altLang="en-US"/>
               <a:t>즉</a:t>
             </a:r>
             <a:r>
-              <a:rPr lang="en-US" altLang="ko-KR" dirty="0"/>
+              <a:rPr lang="en-US" altLang="ko-KR"/>
               <a:t>, new T( ) </a:t>
             </a:r>
             <a:r>
-              <a:rPr lang="ko-KR" altLang="en-US" dirty="0"/>
+              <a:rPr lang="ko-KR" altLang="en-US"/>
               <a:t>등 금지</a:t>
             </a:r>
-            <a:endParaRPr lang="en-US" altLang="ko-KR" dirty="0"/>
-          </a:p>
-          <a:p>
-            <a:pPr lvl="1"/>
-            <a:r>
-              <a:rPr lang="ko-KR" altLang="en-US" dirty="0"/>
+            <a:endParaRPr lang="ko-KR" altLang="en-US"/>
+          </a:p>
+          <a:p>
+            <a:pPr lvl="1">
+              <a:defRPr/>
+            </a:pPr>
+            <a:r>
+              <a:rPr lang="ko-KR" altLang="en-US"/>
               <a:t>제네릭 타입의 배열 생성 금지</a:t>
             </a:r>
-            <a:endParaRPr lang="en-US" altLang="ko-KR" dirty="0"/>
-          </a:p>
-          <a:p>
-            <a:pPr lvl="1"/>
-            <a:r>
-              <a:rPr lang="ko-KR" altLang="en-US" dirty="0"/>
+            <a:endParaRPr lang="ko-KR" altLang="en-US"/>
+          </a:p>
+          <a:p>
+            <a:pPr lvl="1">
+              <a:defRPr/>
+            </a:pPr>
+            <a:r>
+              <a:rPr lang="ko-KR" altLang="en-US"/>
               <a:t>실행 중에 제네릭 타입 점검</a:t>
             </a:r>
             <a:r>
-              <a:rPr lang="en-US" altLang="ko-KR" dirty="0"/>
+              <a:rPr lang="en-US" altLang="ko-KR"/>
               <a:t> </a:t>
             </a:r>
             <a:r>
-              <a:rPr lang="ko-KR" altLang="en-US" dirty="0"/>
+              <a:rPr lang="ko-KR" altLang="en-US"/>
               <a:t>금지</a:t>
             </a:r>
             <a:r>
-              <a:rPr lang="en-US" altLang="ko-KR" dirty="0"/>
+              <a:rPr lang="en-US" altLang="ko-KR"/>
               <a:t>. </a:t>
             </a:r>
             <a:r>
-              <a:rPr lang="ko-KR" altLang="en-US" dirty="0"/>
+              <a:rPr lang="ko-KR" altLang="en-US"/>
               <a:t>예를 들어</a:t>
             </a:r>
             <a:r>
-              <a:rPr lang="en-US" altLang="ko-KR" dirty="0"/>
-              <a:t>, a </a:t>
-            </a:r>
-            <a:r>
-              <a:rPr lang="en-US" altLang="ko-KR" dirty="0" err="1"/>
-              <a:t>instanceof</a:t>
-            </a:r>
-            <a:r>
-              <a:rPr lang="en-US" altLang="ko-KR" dirty="0"/>
-              <a:t> </a:t>
-            </a:r>
-            <a:r>
-              <a:rPr lang="en-US" altLang="ko-KR" dirty="0" err="1"/>
-              <a:t>ArrayList</a:t>
-            </a:r>
-            <a:r>
-              <a:rPr lang="en-US" altLang="ko-KR" dirty="0"/>
-              <a:t>&lt;String&gt;</a:t>
-            </a:r>
-          </a:p>
-          <a:p>
-            <a:pPr lvl="1"/>
-            <a:r>
-              <a:rPr lang="ko-KR" altLang="en-US" dirty="0"/>
+              <a:rPr lang="en-US" altLang="ko-KR"/>
+              <a:t>, a instanceof ArrayList&lt;String&gt;</a:t>
+            </a:r>
+            <a:endParaRPr lang="en-US" altLang="ko-KR"/>
+          </a:p>
+          <a:p>
+            <a:pPr lvl="1">
+              <a:defRPr/>
+            </a:pPr>
+            <a:r>
+              <a:rPr lang="ko-KR" altLang="en-US"/>
               <a:t>제네릭 클래스의 객체는 예외로 던지거나 잡을 수 없다</a:t>
             </a:r>
-            <a:endParaRPr lang="en-US" altLang="ko-KR" dirty="0"/>
-          </a:p>
-          <a:p>
-            <a:pPr lvl="1"/>
-            <a:r>
-              <a:rPr lang="ko-KR" altLang="en-US" dirty="0"/>
+            <a:endParaRPr lang="ko-KR" altLang="en-US"/>
+          </a:p>
+          <a:p>
+            <a:pPr lvl="1">
+              <a:defRPr/>
+            </a:pPr>
+            <a:r>
+              <a:rPr lang="ko-KR" altLang="en-US"/>
               <a:t>제네릭의 서브 타입 허용 않음</a:t>
             </a:r>
-            <a:endParaRPr lang="en-US" altLang="ko-KR" dirty="0"/>
-          </a:p>
-          <a:p>
-            <a:endParaRPr lang="en-US" altLang="ko-KR" dirty="0"/>
-          </a:p>
-          <a:p>
-            <a:endParaRPr lang="en-US" altLang="ko-KR" dirty="0"/>
-          </a:p>
-          <a:p>
-            <a:endParaRPr lang="en-US" altLang="ko-KR" dirty="0"/>
+            <a:endParaRPr lang="ko-KR" altLang="en-US"/>
+          </a:p>
+          <a:p>
+            <a:pPr lvl="0">
+              <a:defRPr/>
+            </a:pPr>
+            <a:endParaRPr lang="en-US" altLang="ko-KR"/>
+          </a:p>
+          <a:p>
+            <a:pPr lvl="0">
+              <a:defRPr/>
+            </a:pPr>
+            <a:endParaRPr lang="en-US" altLang="ko-KR"/>
+          </a:p>
+          <a:p>
+            <a:pPr lvl="0">
+              <a:defRPr/>
+            </a:pPr>
+            <a:endParaRPr lang="en-US" altLang="ko-KR"/>
           </a:p>
         </p:txBody>
       </p:sp>
@@ -10770,14 +12637,8 @@
           </p:cNvPicPr>
           <p:nvPr/>
         </p:nvPicPr>
-        <p:blipFill>
-          <a:blip r:embed="rId2">
-            <a:extLst>
-              <a:ext uri="{28A0092B-C50C-407E-A947-70E740481C1C}">
-                <a14:useLocalDpi xmlns:a14="http://schemas.microsoft.com/office/drawing/2010/main" val="0"/>
-              </a:ext>
-            </a:extLst>
-          </a:blip>
+        <p:blipFill rotWithShape="1">
+          <a:blip r:embed="rId3"/>
           <a:stretch>
             <a:fillRect/>
           </a:stretch>
@@ -10793,167 +12654,22 @@
         </p:spPr>
       </p:pic>
     </p:spTree>
-    <p:extLst>
-      <p:ext uri="{BB962C8B-B14F-4D97-AF65-F5344CB8AC3E}">
-        <p14:creationId xmlns:p14="http://schemas.microsoft.com/office/powerpoint/2010/main" val="1705431683"/>
-      </p:ext>
-    </p:extLst>
   </p:cSld>
   <p:clrMapOvr>
     <a:masterClrMapping/>
   </p:clrMapOvr>
+  <mc:AlternateContent xmlns:mc="http://schemas.openxmlformats.org/markup-compatibility/2006">
+    <mc:Choice xmlns:p14="http://schemas.microsoft.com/office/powerpoint/2010/main" Requires="p14">
+      <p:transition xmlns:mc="http://schemas.openxmlformats.org/markup-compatibility/2006" xmlns:p14="http://schemas.microsoft.com/office/powerpoint/2010/main" mc:Ignorable="p14" p14:dur="500"/>
+    </mc:Choice>
+    <mc:Fallback>
+      <p:transition/>
+    </mc:Fallback>
+  </mc:AlternateContent>
 </p:sld>
 </file>
 
 <file path=ppt/slides/slide25.xml><?xml version="1.0" encoding="utf-8"?>
-<p:sld xmlns:a="http://schemas.openxmlformats.org/drawingml/2006/main" xmlns:r="http://schemas.openxmlformats.org/officeDocument/2006/relationships" xmlns:p="http://schemas.openxmlformats.org/presentationml/2006/main">
-  <p:cSld>
-    <p:spTree>
-      <p:nvGrpSpPr>
-        <p:cNvPr id="1" name=""/>
-        <p:cNvGrpSpPr/>
-        <p:nvPr/>
-      </p:nvGrpSpPr>
-      <p:grpSpPr>
-        <a:xfrm>
-          <a:off x="0" y="0"/>
-          <a:ext cx="0" cy="0"/>
-          <a:chOff x="0" y="0"/>
-          <a:chExt cx="0" cy="0"/>
-        </a:xfrm>
-      </p:grpSpPr>
-      <p:sp>
-        <p:nvSpPr>
-          <p:cNvPr id="2" name="제목 1"/>
-          <p:cNvSpPr>
-            <a:spLocks noGrp="1"/>
-          </p:cNvSpPr>
-          <p:nvPr>
-            <p:ph type="title"/>
-          </p:nvPr>
-        </p:nvSpPr>
-        <p:spPr/>
-        <p:txBody>
-          <a:bodyPr/>
-          <a:lstStyle/>
-          <a:p>
-            <a:r>
-              <a:rPr lang="ko-KR" altLang="en-US" dirty="0"/>
-              <a:t>제네릭 상속 및 타입 한정</a:t>
-            </a:r>
-          </a:p>
-        </p:txBody>
-      </p:sp>
-      <p:sp>
-        <p:nvSpPr>
-          <p:cNvPr id="3" name="내용 개체 틀 2"/>
-          <p:cNvSpPr>
-            <a:spLocks noGrp="1"/>
-          </p:cNvSpPr>
-          <p:nvPr>
-            <p:ph idx="10"/>
-          </p:nvPr>
-        </p:nvSpPr>
-        <p:spPr/>
-        <p:txBody>
-          <a:bodyPr/>
-          <a:lstStyle/>
-          <a:p>
-            <a:r>
-              <a:rPr lang="ko-KR" altLang="en-US" b="0" dirty="0"/>
-              <a:t>타입 한정</a:t>
-            </a:r>
-            <a:endParaRPr lang="en-US" altLang="ko-KR" b="0" dirty="0"/>
-          </a:p>
-          <a:p>
-            <a:pPr lvl="1"/>
-            <a:endParaRPr lang="en-US" altLang="ko-KR" dirty="0"/>
-          </a:p>
-          <a:p>
-            <a:pPr lvl="1"/>
-            <a:endParaRPr lang="en-US" altLang="ko-KR" dirty="0"/>
-          </a:p>
-          <a:p>
-            <a:pPr lvl="1"/>
-            <a:endParaRPr lang="en-US" altLang="ko-KR" dirty="0"/>
-          </a:p>
-          <a:p>
-            <a:pPr lvl="1"/>
-            <a:endParaRPr lang="en-US" altLang="ko-KR" dirty="0"/>
-          </a:p>
-          <a:p>
-            <a:pPr lvl="1"/>
-            <a:r>
-              <a:rPr lang="ko-KR" altLang="en-US" dirty="0"/>
-              <a:t>예제 </a:t>
-            </a:r>
-            <a:r>
-              <a:rPr lang="en-US" altLang="ko-KR" dirty="0"/>
-              <a:t>: </a:t>
-            </a:r>
-            <a:r>
-              <a:rPr lang="en-US" altLang="ko-KR" dirty="0">
-                <a:hlinkClick r:id="rId2" action="ppaction://hlinkfile"/>
-              </a:rPr>
-              <a:t>sec04/bound/</a:t>
-            </a:r>
-            <a:r>
-              <a:rPr lang="en-US" altLang="ko-KR" dirty="0" err="1">
-                <a:hlinkClick r:id="rId2" action="ppaction://hlinkfile"/>
-              </a:rPr>
-              <a:t>BoundedTypeDemo</a:t>
-            </a:r>
-            <a:br>
-              <a:rPr lang="ko-KR" altLang="en-US" dirty="0"/>
-            </a:br>
-            <a:endParaRPr lang="ko-KR" altLang="en-US" dirty="0"/>
-          </a:p>
-        </p:txBody>
-      </p:sp>
-      <p:pic>
-        <p:nvPicPr>
-          <p:cNvPr id="4" name="그림 3"/>
-          <p:cNvPicPr>
-            <a:picLocks noChangeAspect="1"/>
-          </p:cNvPicPr>
-          <p:nvPr/>
-        </p:nvPicPr>
-        <p:blipFill>
-          <a:blip r:embed="rId3">
-            <a:extLst>
-              <a:ext uri="{28A0092B-C50C-407E-A947-70E740481C1C}">
-                <a14:useLocalDpi xmlns:a14="http://schemas.microsoft.com/office/drawing/2010/main" val="0"/>
-              </a:ext>
-            </a:extLst>
-          </a:blip>
-          <a:stretch>
-            <a:fillRect/>
-          </a:stretch>
-        </p:blipFill>
-        <p:spPr>
-          <a:xfrm>
-            <a:off x="786462" y="1424322"/>
-            <a:ext cx="4530297" cy="991707"/>
-          </a:xfrm>
-          <a:prstGeom prst="rect">
-            <a:avLst/>
-          </a:prstGeom>
-        </p:spPr>
-      </p:pic>
-    </p:spTree>
-    <p:extLst>
-      <p:ext uri="{BB962C8B-B14F-4D97-AF65-F5344CB8AC3E}">
-        <p14:creationId xmlns:p14="http://schemas.microsoft.com/office/powerpoint/2010/main" val="4236361931"/>
-      </p:ext>
-    </p:extLst>
-  </p:cSld>
-  <p:clrMapOvr>
-    <a:masterClrMapping/>
-  </p:clrMapOvr>
-</p:sld>
-</file>
-
-<file path=ppt/slides/slide26.xml><?xml version="1.0" encoding="utf-8"?>
 <p:sld xmlns:a="http://schemas.openxmlformats.org/drawingml/2006/main" xmlns:r="http://schemas.openxmlformats.org/officeDocument/2006/relationships" xmlns:p="http://schemas.openxmlformats.org/presentationml/2006/main">
   <p:cSld>
     <p:spTree>
@@ -11186,7 +12902,7 @@
 </p:sld>
 </file>
 
-<file path=ppt/slides/slide27.xml><?xml version="1.0" encoding="utf-8"?>
+<file path=ppt/slides/slide26.xml><?xml version="1.0" encoding="utf-8"?>
 <p:sld xmlns:a="http://schemas.openxmlformats.org/drawingml/2006/main" xmlns:r="http://schemas.openxmlformats.org/officeDocument/2006/relationships" xmlns:p="http://schemas.openxmlformats.org/presentationml/2006/main">
   <p:cSld>
     <p:spTree>
@@ -11309,7 +13025,7 @@
 </p:sld>
 </file>
 
-<file path=ppt/slides/slide28.xml><?xml version="1.0" encoding="utf-8"?>
+<file path=ppt/slides/slide27.xml><?xml version="1.0" encoding="utf-8"?>
 <p:sld xmlns:a="http://schemas.openxmlformats.org/drawingml/2006/main" xmlns:r="http://schemas.openxmlformats.org/officeDocument/2006/relationships" xmlns:p="http://schemas.openxmlformats.org/presentationml/2006/main">
   <p:cSld>
     <p:spTree>
@@ -11546,6 +13262,692 @@
   <p:clrMapOvr>
     <a:masterClrMapping/>
   </p:clrMapOvr>
+</p:sld>
+</file>
+
+<file path=ppt/slides/slide28.xml><?xml version="1.0" encoding="utf-8"?>
+<p:sld xmlns:r="http://schemas.openxmlformats.org/officeDocument/2006/relationships" xmlns:c="http://schemas.openxmlformats.org/drawingml/2006/chart" xmlns:a="http://schemas.openxmlformats.org/drawingml/2006/main" xmlns:dgm="http://schemas.openxmlformats.org/drawingml/2006/diagram" xmlns:dsp="http://schemas.microsoft.com/office/drawing/2008/diagram" xmlns:p="http://schemas.openxmlformats.org/presentationml/2006/main">
+  <p:cSld>
+    <p:spTree>
+      <p:nvGrpSpPr>
+        <p:cNvPr id="1" name=""/>
+        <p:cNvGrpSpPr/>
+        <p:nvPr/>
+      </p:nvGrpSpPr>
+      <p:grpSpPr>
+        <a:xfrm>
+          <a:off x="0" y="0"/>
+          <a:ext cx="0" cy="0"/>
+          <a:chOff x="0" y="0"/>
+          <a:chExt cx="0" cy="0"/>
+        </a:xfrm>
+      </p:grpSpPr>
+      <p:sp>
+        <p:nvSpPr>
+          <p:cNvPr id="2" name="제목 1"/>
+          <p:cNvSpPr>
+            <a:spLocks noGrp="1"/>
+          </p:cNvSpPr>
+          <p:nvPr>
+            <p:ph type="title" idx="0"/>
+          </p:nvPr>
+        </p:nvSpPr>
+        <p:spPr/>
+        <p:txBody>
+          <a:bodyPr/>
+          <a:lstStyle/>
+          <a:p>
+            <a:pPr lvl="0">
+              <a:defRPr/>
+            </a:pPr>
+            <a:r>
+              <a:rPr lang="ko-KR" altLang="en-US"/>
+              <a:t>제네릭 상속 및 타입 한정</a:t>
+            </a:r>
+            <a:endParaRPr lang="ko-KR" altLang="en-US"/>
+          </a:p>
+        </p:txBody>
+      </p:sp>
+      <p:sp>
+        <p:nvSpPr>
+          <p:cNvPr id="3" name="내용 개체 틀 2"/>
+          <p:cNvSpPr>
+            <a:spLocks noGrp="1"/>
+          </p:cNvSpPr>
+          <p:nvPr>
+            <p:ph idx="10"/>
+          </p:nvPr>
+        </p:nvSpPr>
+        <p:spPr>
+          <a:xfrm>
+            <a:off x="321547" y="822960"/>
+            <a:ext cx="8508560" cy="5774392"/>
+          </a:xfrm>
+        </p:spPr>
+        <p:txBody>
+          <a:bodyPr/>
+          <a:lstStyle/>
+          <a:p>
+            <a:pPr lvl="0">
+              <a:defRPr/>
+            </a:pPr>
+            <a:r>
+              <a:rPr lang="ko-KR" altLang="en-US" b="0"/>
+              <a:t>타입 한정</a:t>
+            </a:r>
+            <a:endParaRPr lang="ko-KR" altLang="en-US" b="0"/>
+          </a:p>
+          <a:p>
+            <a:pPr lvl="1">
+              <a:defRPr/>
+            </a:pPr>
+            <a:r>
+              <a:rPr lang="ko-KR" altLang="en-US"/>
+              <a:t>타입파라미터를 대체하는 구체적인 타입을 제한할 필요가 있다</a:t>
+            </a:r>
+            <a:r>
+              <a:rPr lang="en-US" altLang="ko-KR"/>
+              <a:t>.</a:t>
+            </a:r>
+            <a:r>
+              <a:rPr lang="ko-KR" altLang="en-US"/>
+              <a:t> </a:t>
+            </a:r>
+            <a:endParaRPr lang="ko-KR" altLang="en-US"/>
+          </a:p>
+          <a:p>
+            <a:pPr lvl="1">
+              <a:defRPr/>
+            </a:pPr>
+            <a:r>
+              <a:rPr lang="ko-KR" altLang="en-US"/>
+              <a:t>예</a:t>
+            </a:r>
+            <a:r>
+              <a:rPr lang="en-US" altLang="ko-KR"/>
+              <a:t>&gt;</a:t>
+            </a:r>
+            <a:r>
+              <a:rPr lang="ko-KR" altLang="en-US"/>
+              <a:t> 숫자를 연산하는 제네릭메소드를 만들어야 하는 경우라면 대체타입으로 반드시 </a:t>
+            </a:r>
+            <a:r>
+              <a:rPr lang="en-US" altLang="ko-KR"/>
+              <a:t>Number</a:t>
+            </a:r>
+            <a:r>
+              <a:rPr lang="ko-KR" altLang="en-US"/>
+              <a:t> 또는 자식 클래스</a:t>
+            </a:r>
+            <a:r>
+              <a:rPr lang="en-US" altLang="ko-KR"/>
+              <a:t>(Byte, Short, Integer,Long, Double)</a:t>
+            </a:r>
+            <a:r>
+              <a:rPr lang="ko-KR" altLang="en-US"/>
+              <a:t>로 제한할 필요가 있다</a:t>
+            </a:r>
+            <a:r>
+              <a:rPr lang="en-US" altLang="ko-KR"/>
+              <a:t>.</a:t>
+            </a:r>
+            <a:endParaRPr lang="en-US" altLang="ko-KR"/>
+          </a:p>
+          <a:p>
+            <a:pPr lvl="1">
+              <a:defRPr/>
+            </a:pPr>
+            <a:r>
+              <a:rPr lang="ko-KR" altLang="en-US"/>
+              <a:t>이처럼 모든 타이브로 대체할 수 없고</a:t>
+            </a:r>
+            <a:r>
+              <a:rPr lang="en-US" altLang="ko-KR"/>
+              <a:t>,</a:t>
+            </a:r>
+            <a:r>
+              <a:rPr lang="ko-KR" altLang="en-US"/>
+              <a:t> 특정 타입과 자식 또는 구현 관계에 있는 타입만 대체할 수 있는 타입 파라미터를 제한된 타입 파라미터라고 함</a:t>
+            </a:r>
+            <a:r>
+              <a:rPr lang="en-US" altLang="ko-KR"/>
+              <a:t>.</a:t>
+            </a:r>
+            <a:endParaRPr lang="en-US" altLang="ko-KR"/>
+          </a:p>
+          <a:p>
+            <a:pPr lvl="1">
+              <a:defRPr/>
+            </a:pPr>
+            <a:endParaRPr lang="en-US" altLang="ko-KR"/>
+          </a:p>
+          <a:p>
+            <a:pPr lvl="1">
+              <a:defRPr/>
+            </a:pPr>
+            <a:endParaRPr lang="en-US" altLang="ko-KR"/>
+          </a:p>
+          <a:p>
+            <a:pPr lvl="1">
+              <a:defRPr/>
+            </a:pPr>
+            <a:endParaRPr lang="en-US" altLang="ko-KR"/>
+          </a:p>
+          <a:p>
+            <a:pPr lvl="1">
+              <a:defRPr/>
+            </a:pPr>
+            <a:endParaRPr lang="en-US" altLang="ko-KR"/>
+          </a:p>
+          <a:p>
+            <a:pPr lvl="1">
+              <a:defRPr/>
+            </a:pPr>
+            <a:r>
+              <a:rPr lang="ko-KR" altLang="en-US"/>
+              <a:t>예제 </a:t>
+            </a:r>
+            <a:r>
+              <a:rPr lang="en-US" altLang="ko-KR"/>
+              <a:t>: </a:t>
+            </a:r>
+            <a:r>
+              <a:rPr lang="en-US" altLang="ko-KR">
+                <a:hlinkClick r:id="rId3" action="ppaction://hlinkfile"/>
+              </a:rPr>
+              <a:t>sec04/bound/BoundedTypeDemo</a:t>
+            </a:r>
+            <a:br>
+              <a:rPr lang="ko-KR" altLang="en-US"/>
+            </a:br>
+            <a:endParaRPr lang="ko-KR" altLang="en-US"/>
+          </a:p>
+        </p:txBody>
+      </p:sp>
+      <p:pic>
+        <p:nvPicPr>
+          <p:cNvPr id="4" name="그림 3"/>
+          <p:cNvPicPr>
+            <a:picLocks noChangeAspect="1"/>
+          </p:cNvPicPr>
+          <p:nvPr/>
+        </p:nvPicPr>
+        <p:blipFill rotWithShape="1">
+          <a:blip r:embed="rId4"/>
+          <a:stretch>
+            <a:fillRect/>
+          </a:stretch>
+        </p:blipFill>
+        <p:spPr>
+          <a:xfrm>
+            <a:off x="861301" y="2635357"/>
+            <a:ext cx="4530297" cy="991707"/>
+          </a:xfrm>
+          <a:prstGeom prst="rect">
+            <a:avLst/>
+          </a:prstGeom>
+        </p:spPr>
+      </p:pic>
+    </p:spTree>
+  </p:cSld>
+  <p:clrMapOvr>
+    <a:masterClrMapping/>
+  </p:clrMapOvr>
+  <mc:AlternateContent xmlns:mc="http://schemas.openxmlformats.org/markup-compatibility/2006">
+    <mc:Choice xmlns:p14="http://schemas.microsoft.com/office/powerpoint/2010/main" Requires="p14">
+      <p:transition xmlns:mc="http://schemas.openxmlformats.org/markup-compatibility/2006" xmlns:p14="http://schemas.microsoft.com/office/powerpoint/2010/main" mc:Ignorable="p14" p14:dur="500"/>
+    </mc:Choice>
+    <mc:Fallback>
+      <p:transition/>
+    </mc:Fallback>
+  </mc:AlternateContent>
+</p:sld>
+</file>
+
+<file path=ppt/slides/slide29.xml><?xml version="1.0" encoding="utf-8"?>
+<p:sld xmlns:r="http://schemas.openxmlformats.org/officeDocument/2006/relationships" xmlns:c="http://schemas.openxmlformats.org/drawingml/2006/chart" xmlns:a="http://schemas.openxmlformats.org/drawingml/2006/main" xmlns:dgm="http://schemas.openxmlformats.org/drawingml/2006/diagram" xmlns:dsp="http://schemas.microsoft.com/office/drawing/2008/diagram" xmlns:p="http://schemas.openxmlformats.org/presentationml/2006/main">
+  <p:cSld>
+    <p:spTree>
+      <p:nvGrpSpPr>
+        <p:cNvPr id="1" name=""/>
+        <p:cNvGrpSpPr/>
+        <p:nvPr/>
+      </p:nvGrpSpPr>
+      <p:grpSpPr>
+        <a:xfrm>
+          <a:off x="0" y="0"/>
+          <a:ext cx="0" cy="0"/>
+          <a:chOff x="0" y="0"/>
+          <a:chExt cx="0" cy="0"/>
+        </a:xfrm>
+      </p:grpSpPr>
+      <p:sp>
+        <p:nvSpPr>
+          <p:cNvPr id="2" name="제목 1"/>
+          <p:cNvSpPr>
+            <a:spLocks noGrp="1"/>
+          </p:cNvSpPr>
+          <p:nvPr>
+            <p:ph type="title" idx="0"/>
+          </p:nvPr>
+        </p:nvSpPr>
+        <p:spPr/>
+        <p:txBody>
+          <a:bodyPr/>
+          <a:lstStyle/>
+          <a:p>
+            <a:pPr lvl="0">
+              <a:defRPr/>
+            </a:pPr>
+            <a:r>
+              <a:rPr lang="ko-KR" altLang="en-US"/>
+              <a:t>제네릭 상속 및 타입 한정</a:t>
+            </a:r>
+            <a:endParaRPr lang="ko-KR" altLang="en-US"/>
+          </a:p>
+        </p:txBody>
+      </p:sp>
+      <p:sp>
+        <p:nvSpPr>
+          <p:cNvPr id="3" name="내용 개체 틀 2"/>
+          <p:cNvSpPr>
+            <a:spLocks noGrp="1"/>
+          </p:cNvSpPr>
+          <p:nvPr>
+            <p:ph idx="10"/>
+          </p:nvPr>
+        </p:nvSpPr>
+        <p:spPr>
+          <a:xfrm>
+            <a:off x="321547" y="822960"/>
+            <a:ext cx="8508560" cy="5774392"/>
+          </a:xfrm>
+        </p:spPr>
+        <p:txBody>
+          <a:bodyPr/>
+          <a:lstStyle/>
+          <a:p>
+            <a:pPr lvl="0">
+              <a:defRPr/>
+            </a:pPr>
+            <a:r>
+              <a:rPr lang="ko-KR" altLang="en-US" b="0"/>
+              <a:t>와일드카드 타입 매개변수</a:t>
+            </a:r>
+            <a:endParaRPr lang="ko-KR" altLang="en-US" b="0"/>
+          </a:p>
+          <a:p>
+            <a:pPr lvl="1">
+              <a:defRPr/>
+            </a:pPr>
+            <a:r>
+              <a:rPr lang="ko-KR" altLang="en-US"/>
+              <a:t>제네릭타입을 인자값이나 리턴 타입으로 사용할 때 타입 매개변수로 </a:t>
+            </a:r>
+            <a:r>
+              <a:rPr lang="en-US" altLang="ko-KR"/>
+              <a:t>?(</a:t>
+            </a:r>
+            <a:r>
+              <a:rPr lang="ko-KR" altLang="en-US"/>
+              <a:t>화일드카드</a:t>
+            </a:r>
+            <a:r>
+              <a:rPr lang="en-US" altLang="ko-KR"/>
+              <a:t>)</a:t>
+            </a:r>
+            <a:r>
+              <a:rPr lang="ko-KR" altLang="en-US"/>
+              <a:t>를 사용할 수 있다</a:t>
+            </a:r>
+            <a:r>
+              <a:rPr lang="en-US" altLang="ko-KR"/>
+              <a:t>.</a:t>
+            </a:r>
+            <a:endParaRPr lang="en-US" altLang="ko-KR"/>
+          </a:p>
+          <a:p>
+            <a:pPr lvl="1">
+              <a:defRPr/>
+            </a:pPr>
+            <a:endParaRPr lang="en-US" altLang="ko-KR"/>
+          </a:p>
+          <a:p>
+            <a:pPr lvl="1">
+              <a:defRPr/>
+            </a:pPr>
+            <a:endParaRPr lang="en-US" altLang="ko-KR"/>
+          </a:p>
+          <a:p>
+            <a:pPr lvl="1">
+              <a:defRPr/>
+            </a:pPr>
+            <a:endParaRPr lang="en-US" altLang="ko-KR"/>
+          </a:p>
+          <a:p>
+            <a:pPr lvl="1">
+              <a:defRPr/>
+            </a:pPr>
+            <a:endParaRPr lang="en-US" altLang="ko-KR"/>
+          </a:p>
+          <a:p>
+            <a:pPr lvl="1">
+              <a:defRPr/>
+            </a:pPr>
+            <a:endParaRPr lang="en-US" altLang="ko-KR"/>
+          </a:p>
+          <a:p>
+            <a:pPr lvl="1">
+              <a:defRPr/>
+            </a:pPr>
+            <a:endParaRPr lang="en-US" altLang="ko-KR"/>
+          </a:p>
+          <a:p>
+            <a:pPr lvl="1">
+              <a:defRPr/>
+            </a:pPr>
+            <a:endParaRPr lang="en-US" altLang="ko-KR"/>
+          </a:p>
+          <a:p>
+            <a:pPr lvl="1">
+              <a:defRPr/>
+            </a:pPr>
+            <a:endParaRPr lang="en-US" altLang="ko-KR"/>
+          </a:p>
+          <a:p>
+            <a:pPr lvl="1">
+              <a:defRPr/>
+            </a:pPr>
+            <a:r>
+              <a:rPr lang="en-US" altLang="ko-KR"/>
+              <a:t>Student </a:t>
+            </a:r>
+            <a:r>
+              <a:rPr lang="ko-KR" altLang="en-US"/>
+              <a:t>의</a:t>
+            </a:r>
+            <a:r>
+              <a:rPr lang="en-US" altLang="ko-KR"/>
+              <a:t> </a:t>
+            </a:r>
+            <a:r>
+              <a:rPr lang="ko-KR" altLang="en-US"/>
+              <a:t>자식 클래스가 </a:t>
+            </a:r>
+            <a:r>
+              <a:rPr lang="en-US" altLang="ko-KR"/>
+              <a:t>HighschoolStudent, MiddleschoolStudent</a:t>
+            </a:r>
+            <a:r>
+              <a:rPr lang="ko-KR" altLang="en-US"/>
+              <a:t>인 경우 </a:t>
+            </a:r>
+            <a:r>
+              <a:rPr lang="en-US" altLang="ko-KR"/>
+              <a:t>Student</a:t>
+            </a:r>
+            <a:r>
+              <a:rPr lang="ko-KR" altLang="en-US"/>
+              <a:t>의 자식클래스만 가능하다록 한정하려면</a:t>
+            </a:r>
+            <a:endParaRPr lang="ko-KR" altLang="en-US"/>
+          </a:p>
+          <a:p>
+            <a:pPr lvl="2">
+              <a:defRPr/>
+            </a:pPr>
+            <a:r>
+              <a:rPr lang="ko-KR" altLang="en-US"/>
+              <a:t>리턴타입 메소드명</a:t>
+            </a:r>
+            <a:r>
+              <a:rPr lang="en-US" altLang="ko-KR"/>
+              <a:t>(</a:t>
+            </a:r>
+            <a:r>
+              <a:rPr lang="ko-KR" altLang="en-US"/>
+              <a:t>제테릭타입</a:t>
+            </a:r>
+            <a:r>
+              <a:rPr lang="en-US" altLang="ko-KR"/>
+              <a:t>&lt;?</a:t>
+            </a:r>
+            <a:r>
+              <a:rPr lang="ko-KR" altLang="en-US"/>
+              <a:t> </a:t>
+            </a:r>
+            <a:r>
+              <a:rPr lang="en-US" altLang="ko-KR"/>
+              <a:t>extends Student&gt; </a:t>
+            </a:r>
+            <a:r>
+              <a:rPr lang="ko-KR" altLang="en-US"/>
+              <a:t>변수</a:t>
+            </a:r>
+            <a:r>
+              <a:rPr lang="en-US" altLang="ko-KR"/>
+              <a:t>)</a:t>
+            </a:r>
+            <a:r>
+              <a:rPr lang="ko-KR" altLang="en-US"/>
+              <a:t> </a:t>
+            </a:r>
+            <a:r>
+              <a:rPr lang="en-US" altLang="ko-KR"/>
+              <a:t>{</a:t>
+            </a:r>
+            <a:r>
+              <a:rPr lang="ko-KR" altLang="en-US"/>
+              <a:t> </a:t>
+            </a:r>
+            <a:r>
+              <a:rPr lang="en-US" altLang="ko-KR"/>
+              <a:t>...</a:t>
+            </a:r>
+            <a:r>
+              <a:rPr lang="ko-KR" altLang="en-US"/>
+              <a:t> </a:t>
+            </a:r>
+            <a:r>
+              <a:rPr lang="en-US" altLang="ko-KR"/>
+              <a:t>}</a:t>
+            </a:r>
+            <a:endParaRPr lang="en-US" altLang="ko-KR"/>
+          </a:p>
+          <a:p>
+            <a:pPr lvl="1">
+              <a:defRPr/>
+            </a:pPr>
+            <a:r>
+              <a:rPr lang="en-US" altLang="ko-KR"/>
+              <a:t>Worker</a:t>
+            </a:r>
+            <a:r>
+              <a:rPr lang="ko-KR" altLang="en-US"/>
+              <a:t>의 부모 클래스인 </a:t>
+            </a:r>
+            <a:r>
+              <a:rPr lang="en-US" altLang="ko-KR"/>
+              <a:t>Person </a:t>
+            </a:r>
+            <a:r>
+              <a:rPr lang="ko-KR" altLang="en-US"/>
+              <a:t>만</a:t>
+            </a:r>
+            <a:r>
+              <a:rPr lang="en-US" altLang="ko-KR"/>
+              <a:t> </a:t>
+            </a:r>
+            <a:r>
+              <a:rPr lang="ko-KR" altLang="en-US"/>
+              <a:t>가능하도록</a:t>
+            </a:r>
+            <a:r>
+              <a:rPr lang="en-US" altLang="ko-KR"/>
+              <a:t> </a:t>
+            </a:r>
+            <a:r>
+              <a:rPr lang="ko-KR" altLang="en-US"/>
+              <a:t>한정하려면</a:t>
+            </a:r>
+            <a:endParaRPr lang="ko-KR" altLang="en-US"/>
+          </a:p>
+          <a:p>
+            <a:pPr lvl="2">
+              <a:defRPr/>
+            </a:pPr>
+            <a:r>
+              <a:rPr lang="ko-KR" altLang="en-US"/>
+              <a:t>리턴타입 메소드명</a:t>
+            </a:r>
+            <a:r>
+              <a:rPr lang="en-US" altLang="ko-KR"/>
+              <a:t>(</a:t>
+            </a:r>
+            <a:r>
+              <a:rPr lang="ko-KR" altLang="en-US"/>
+              <a:t>제테릭타입</a:t>
+            </a:r>
+            <a:r>
+              <a:rPr lang="en-US" altLang="ko-KR"/>
+              <a:t>&lt;?</a:t>
+            </a:r>
+            <a:r>
+              <a:rPr lang="ko-KR" altLang="en-US"/>
+              <a:t> </a:t>
+            </a:r>
+            <a:r>
+              <a:rPr lang="en-US" altLang="ko-KR"/>
+              <a:t>super Worker&gt; </a:t>
+            </a:r>
+            <a:r>
+              <a:rPr lang="ko-KR" altLang="en-US"/>
+              <a:t>변수</a:t>
+            </a:r>
+            <a:r>
+              <a:rPr lang="en-US" altLang="ko-KR"/>
+              <a:t>)</a:t>
+            </a:r>
+            <a:r>
+              <a:rPr lang="ko-KR" altLang="en-US"/>
+              <a:t> </a:t>
+            </a:r>
+            <a:r>
+              <a:rPr lang="en-US" altLang="ko-KR"/>
+              <a:t>{</a:t>
+            </a:r>
+            <a:r>
+              <a:rPr lang="ko-KR" altLang="en-US"/>
+              <a:t> </a:t>
+            </a:r>
+            <a:r>
+              <a:rPr lang="en-US" altLang="ko-KR"/>
+              <a:t>...</a:t>
+            </a:r>
+            <a:r>
+              <a:rPr lang="ko-KR" altLang="en-US"/>
+              <a:t> </a:t>
+            </a:r>
+            <a:r>
+              <a:rPr lang="en-US" altLang="ko-KR"/>
+              <a:t>} </a:t>
+            </a:r>
+            <a:r>
+              <a:rPr lang="ko-KR" altLang="en-US"/>
+              <a:t>와</a:t>
+            </a:r>
+            <a:r>
+              <a:rPr lang="en-US" altLang="ko-KR"/>
+              <a:t> </a:t>
+            </a:r>
+            <a:r>
+              <a:rPr lang="ko-KR" altLang="en-US"/>
+              <a:t>같이 선언할 수 있다</a:t>
+            </a:r>
+            <a:r>
+              <a:rPr lang="en-US" altLang="ko-KR"/>
+              <a:t>.</a:t>
+            </a:r>
+            <a:endParaRPr lang="en-US" altLang="ko-KR"/>
+          </a:p>
+          <a:p>
+            <a:pPr lvl="1">
+              <a:defRPr/>
+            </a:pPr>
+            <a:endParaRPr lang="en-US" altLang="ko-KR"/>
+          </a:p>
+          <a:p>
+            <a:pPr lvl="1">
+              <a:defRPr/>
+            </a:pPr>
+            <a:endParaRPr lang="en-US" altLang="ko-KR"/>
+          </a:p>
+          <a:p>
+            <a:pPr lvl="1">
+              <a:defRPr/>
+            </a:pPr>
+            <a:endParaRPr lang="en-US" altLang="ko-KR"/>
+          </a:p>
+          <a:p>
+            <a:pPr lvl="1">
+              <a:defRPr/>
+            </a:pPr>
+            <a:endParaRPr lang="en-US" altLang="ko-KR"/>
+          </a:p>
+          <a:p>
+            <a:pPr lvl="1">
+              <a:defRPr/>
+            </a:pPr>
+            <a:endParaRPr lang="en-US" altLang="ko-KR"/>
+          </a:p>
+          <a:p>
+            <a:pPr lvl="1">
+              <a:defRPr/>
+            </a:pPr>
+            <a:br>
+              <a:rPr lang="ko-KR" altLang="en-US"/>
+            </a:br>
+            <a:endParaRPr lang="ko-KR" altLang="en-US"/>
+          </a:p>
+        </p:txBody>
+      </p:sp>
+      <p:pic>
+        <p:nvPicPr>
+          <p:cNvPr id="5" name=""/>
+          <p:cNvPicPr>
+            <a:picLocks noChangeAspect="1"/>
+          </p:cNvPicPr>
+          <p:nvPr/>
+        </p:nvPicPr>
+        <p:blipFill rotWithShape="1">
+          <a:blip r:embed="rId3"/>
+          <a:stretch>
+            <a:fillRect/>
+          </a:stretch>
+        </p:blipFill>
+        <p:spPr>
+          <a:xfrm>
+            <a:off x="1108528" y="1778000"/>
+            <a:ext cx="4484461" cy="2295196"/>
+          </a:xfrm>
+          <a:prstGeom prst="rect">
+            <a:avLst/>
+          </a:prstGeom>
+        </p:spPr>
+      </p:pic>
+    </p:spTree>
+  </p:cSld>
+  <p:clrMapOvr>
+    <a:masterClrMapping/>
+  </p:clrMapOvr>
+  <mc:AlternateContent xmlns:mc="http://schemas.openxmlformats.org/markup-compatibility/2006">
+    <mc:Choice xmlns:p14="http://schemas.microsoft.com/office/powerpoint/2010/main" Requires="p14">
+      <p:transition xmlns:mc="http://schemas.openxmlformats.org/markup-compatibility/2006" xmlns:p14="http://schemas.microsoft.com/office/powerpoint/2010/main" mc:Ignorable="p14" p14:dur="500"/>
+    </mc:Choice>
+    <mc:Fallback>
+      <p:transition/>
+    </mc:Fallback>
+  </mc:AlternateContent>
 </p:sld>
 </file>
 
